--- a/UI.pptx
+++ b/UI.pptx
@@ -5,7 +5,9 @@
     <p:sldMasterId id="2147483648" r:id="rId1"/>
   </p:sldMasterIdLst>
   <p:sldIdLst>
-    <p:sldId id="256" r:id="rId2"/>
+    <p:sldId id="258" r:id="rId2"/>
+    <p:sldId id="257" r:id="rId3"/>
+    <p:sldId id="259" r:id="rId4"/>
   </p:sldIdLst>
   <p:sldSz cx="12192000" cy="6858000"/>
   <p:notesSz cx="6858000" cy="9144000"/>
@@ -104,6 +106,11 @@
       </a:defRPr>
     </a:lvl9pPr>
   </p:defaultTextStyle>
+  <p:extLst>
+    <p:ext uri="{EFAFB233-063F-42B5-8137-9DF3F51BA10A}">
+      <p15:sldGuideLst xmlns:p15="http://schemas.microsoft.com/office/powerpoint/2012/main"/>
+    </p:ext>
+  </p:extLst>
 </p:presentation>
 </file>
 
@@ -256,7 +263,7 @@
           <a:p>
             <a:fld id="{06917A0A-793E-43E2-BD5E-33861999631C}" type="datetimeFigureOut">
               <a:rPr lang="en-MY" smtClean="0"/>
-              <a:t>13/6/2025</a:t>
+              <a:t>14/6/2025</a:t>
             </a:fld>
             <a:endParaRPr lang="en-MY"/>
           </a:p>
@@ -456,7 +463,7 @@
           <a:p>
             <a:fld id="{06917A0A-793E-43E2-BD5E-33861999631C}" type="datetimeFigureOut">
               <a:rPr lang="en-MY" smtClean="0"/>
-              <a:t>13/6/2025</a:t>
+              <a:t>14/6/2025</a:t>
             </a:fld>
             <a:endParaRPr lang="en-MY"/>
           </a:p>
@@ -666,7 +673,7 @@
           <a:p>
             <a:fld id="{06917A0A-793E-43E2-BD5E-33861999631C}" type="datetimeFigureOut">
               <a:rPr lang="en-MY" smtClean="0"/>
-              <a:t>13/6/2025</a:t>
+              <a:t>14/6/2025</a:t>
             </a:fld>
             <a:endParaRPr lang="en-MY"/>
           </a:p>
@@ -866,7 +873,7 @@
           <a:p>
             <a:fld id="{06917A0A-793E-43E2-BD5E-33861999631C}" type="datetimeFigureOut">
               <a:rPr lang="en-MY" smtClean="0"/>
-              <a:t>13/6/2025</a:t>
+              <a:t>14/6/2025</a:t>
             </a:fld>
             <a:endParaRPr lang="en-MY"/>
           </a:p>
@@ -1142,7 +1149,7 @@
           <a:p>
             <a:fld id="{06917A0A-793E-43E2-BD5E-33861999631C}" type="datetimeFigureOut">
               <a:rPr lang="en-MY" smtClean="0"/>
-              <a:t>13/6/2025</a:t>
+              <a:t>14/6/2025</a:t>
             </a:fld>
             <a:endParaRPr lang="en-MY"/>
           </a:p>
@@ -1410,7 +1417,7 @@
           <a:p>
             <a:fld id="{06917A0A-793E-43E2-BD5E-33861999631C}" type="datetimeFigureOut">
               <a:rPr lang="en-MY" smtClean="0"/>
-              <a:t>13/6/2025</a:t>
+              <a:t>14/6/2025</a:t>
             </a:fld>
             <a:endParaRPr lang="en-MY"/>
           </a:p>
@@ -1825,7 +1832,7 @@
           <a:p>
             <a:fld id="{06917A0A-793E-43E2-BD5E-33861999631C}" type="datetimeFigureOut">
               <a:rPr lang="en-MY" smtClean="0"/>
-              <a:t>13/6/2025</a:t>
+              <a:t>14/6/2025</a:t>
             </a:fld>
             <a:endParaRPr lang="en-MY"/>
           </a:p>
@@ -1967,7 +1974,7 @@
           <a:p>
             <a:fld id="{06917A0A-793E-43E2-BD5E-33861999631C}" type="datetimeFigureOut">
               <a:rPr lang="en-MY" smtClean="0"/>
-              <a:t>13/6/2025</a:t>
+              <a:t>14/6/2025</a:t>
             </a:fld>
             <a:endParaRPr lang="en-MY"/>
           </a:p>
@@ -2080,7 +2087,7 @@
           <a:p>
             <a:fld id="{06917A0A-793E-43E2-BD5E-33861999631C}" type="datetimeFigureOut">
               <a:rPr lang="en-MY" smtClean="0"/>
-              <a:t>13/6/2025</a:t>
+              <a:t>14/6/2025</a:t>
             </a:fld>
             <a:endParaRPr lang="en-MY"/>
           </a:p>
@@ -2393,7 +2400,7 @@
           <a:p>
             <a:fld id="{06917A0A-793E-43E2-BD5E-33861999631C}" type="datetimeFigureOut">
               <a:rPr lang="en-MY" smtClean="0"/>
-              <a:t>13/6/2025</a:t>
+              <a:t>14/6/2025</a:t>
             </a:fld>
             <a:endParaRPr lang="en-MY"/>
           </a:p>
@@ -2682,7 +2689,7 @@
           <a:p>
             <a:fld id="{06917A0A-793E-43E2-BD5E-33861999631C}" type="datetimeFigureOut">
               <a:rPr lang="en-MY" smtClean="0"/>
-              <a:t>13/6/2025</a:t>
+              <a:t>14/6/2025</a:t>
             </a:fld>
             <a:endParaRPr lang="en-MY"/>
           </a:p>
@@ -2925,7 +2932,7 @@
           <a:p>
             <a:fld id="{06917A0A-793E-43E2-BD5E-33861999631C}" type="datetimeFigureOut">
               <a:rPr lang="en-MY" smtClean="0"/>
-              <a:t>13/6/2025</a:t>
+              <a:t>14/6/2025</a:t>
             </a:fld>
             <a:endParaRPr lang="en-MY"/>
           </a:p>
@@ -3342,925 +3349,121 @@
           <a:chExt cx="0" cy="0"/>
         </a:xfrm>
       </p:grpSpPr>
-      <p:grpSp>
-        <p:nvGrpSpPr>
-          <p:cNvPr id="32" name="Group 31">
-            <a:extLst>
-              <a:ext uri="{FF2B5EF4-FFF2-40B4-BE49-F238E27FC236}">
-                <a16:creationId xmlns:a16="http://schemas.microsoft.com/office/drawing/2014/main" id="{2DDFEE79-76BC-D53F-E58A-1269DD7BD001}"/>
-              </a:ext>
-            </a:extLst>
-          </p:cNvPr>
-          <p:cNvGrpSpPr/>
-          <p:nvPr/>
-        </p:nvGrpSpPr>
-        <p:grpSpPr>
-          <a:xfrm>
-            <a:off x="596028" y="5815869"/>
-            <a:ext cx="6748941" cy="2766417"/>
-            <a:chOff x="3130884" y="4056517"/>
-            <a:chExt cx="6748941" cy="2766417"/>
-          </a:xfrm>
-        </p:grpSpPr>
-        <p:pic>
-          <p:nvPicPr>
-            <p:cNvPr id="14" name="Picture 13">
-              <a:extLst>
-                <a:ext uri="{FF2B5EF4-FFF2-40B4-BE49-F238E27FC236}">
-                  <a16:creationId xmlns:a16="http://schemas.microsoft.com/office/drawing/2014/main" id="{8F912CD7-E59B-928E-A551-65682C0E023A}"/>
-                </a:ext>
-              </a:extLst>
-            </p:cNvPr>
-            <p:cNvPicPr>
-              <a:picLocks noChangeAspect="1"/>
-            </p:cNvPicPr>
-            <p:nvPr/>
-          </p:nvPicPr>
-          <p:blipFill>
-            <a:blip r:embed="rId2">
-              <a:extLst>
-                <a:ext uri="{28A0092B-C50C-407E-A947-70E740481C1C}">
-                  <a14:useLocalDpi xmlns:a14="http://schemas.microsoft.com/office/drawing/2010/main" val="0"/>
-                </a:ext>
-              </a:extLst>
-            </a:blip>
-            <a:stretch>
-              <a:fillRect/>
-            </a:stretch>
-          </p:blipFill>
-          <p:spPr>
-            <a:xfrm>
-              <a:off x="5261476" y="5880566"/>
-              <a:ext cx="1800000" cy="942368"/>
-            </a:xfrm>
-            <a:prstGeom prst="rect">
-              <a:avLst/>
-            </a:prstGeom>
-            <a:ln>
-              <a:solidFill>
-                <a:schemeClr val="tx1"/>
-              </a:solidFill>
-            </a:ln>
-          </p:spPr>
-        </p:pic>
-        <p:pic>
-          <p:nvPicPr>
-            <p:cNvPr id="1036" name="Picture 12" descr="How to use VLOOKUP in Excel | Zapier">
-              <a:extLst>
-                <a:ext uri="{FF2B5EF4-FFF2-40B4-BE49-F238E27FC236}">
-                  <a16:creationId xmlns:a16="http://schemas.microsoft.com/office/drawing/2014/main" id="{216567FB-B685-A1A9-8A89-7745191393BE}"/>
-                </a:ext>
-              </a:extLst>
-            </p:cNvPr>
-            <p:cNvPicPr>
-              <a:picLocks noChangeAspect="1" noChangeArrowheads="1"/>
-            </p:cNvPicPr>
-            <p:nvPr/>
-          </p:nvPicPr>
-          <p:blipFill>
-            <a:blip r:embed="rId3">
-              <a:extLst>
-                <a:ext uri="{28A0092B-C50C-407E-A947-70E740481C1C}">
-                  <a14:useLocalDpi xmlns:a14="http://schemas.microsoft.com/office/drawing/2010/main" val="0"/>
-                </a:ext>
-              </a:extLst>
-            </a:blip>
-            <a:srcRect/>
-            <a:stretch>
-              <a:fillRect/>
-            </a:stretch>
-          </p:blipFill>
-          <p:spPr bwMode="auto">
-            <a:xfrm>
-              <a:off x="3130884" y="5696812"/>
-              <a:ext cx="1800000" cy="1039989"/>
-            </a:xfrm>
-            <a:prstGeom prst="rect">
-              <a:avLst/>
-            </a:prstGeom>
-            <a:noFill/>
-            <a:ln>
-              <a:solidFill>
-                <a:schemeClr val="tx1"/>
-              </a:solidFill>
-            </a:ln>
-            <a:extLst>
-              <a:ext uri="{909E8E84-426E-40DD-AFC4-6F175D3DCCD1}">
-                <a14:hiddenFill xmlns:a14="http://schemas.microsoft.com/office/drawing/2010/main">
-                  <a:solidFill>
-                    <a:srgbClr val="FFFFFF"/>
-                  </a:solidFill>
-                </a14:hiddenFill>
-              </a:ext>
-            </a:extLst>
-          </p:spPr>
-        </p:pic>
-        <p:sp>
-          <p:nvSpPr>
-            <p:cNvPr id="16" name="Rectangle 15">
-              <a:extLst>
-                <a:ext uri="{FF2B5EF4-FFF2-40B4-BE49-F238E27FC236}">
-                  <a16:creationId xmlns:a16="http://schemas.microsoft.com/office/drawing/2014/main" id="{83D3879D-B0E6-2401-2D67-E1BC8F0765A5}"/>
-                </a:ext>
-              </a:extLst>
-            </p:cNvPr>
-            <p:cNvSpPr/>
-            <p:nvPr/>
-          </p:nvSpPr>
-          <p:spPr>
-            <a:xfrm>
-              <a:off x="4095219" y="4056517"/>
-              <a:ext cx="550151" cy="323165"/>
-            </a:xfrm>
-            <a:prstGeom prst="rect">
-              <a:avLst/>
-            </a:prstGeom>
-            <a:noFill/>
-            <a:ln>
-              <a:solidFill>
-                <a:schemeClr val="tx1"/>
-              </a:solidFill>
-            </a:ln>
-          </p:spPr>
-          <p:txBody>
-            <a:bodyPr wrap="none" lIns="91440" tIns="45720" rIns="91440" bIns="45720">
-              <a:spAutoFit/>
-            </a:bodyPr>
-            <a:lstStyle/>
-            <a:p>
-              <a:r>
-                <a:rPr lang="en-US" sz="1500" b="1" cap="none" spc="0" dirty="0">
-                  <a:ln w="0"/>
-                  <a:effectLst>
-                    <a:outerShdw blurRad="38100" dist="19050" dir="2700000" algn="tl" rotWithShape="0">
-                      <a:schemeClr val="dk1">
-                        <a:alpha val="40000"/>
-                      </a:schemeClr>
-                    </a:outerShdw>
-                  </a:effectLst>
-                </a:rPr>
-                <a:t>Asas</a:t>
-              </a:r>
-            </a:p>
-          </p:txBody>
-        </p:sp>
-        <p:sp>
-          <p:nvSpPr>
-            <p:cNvPr id="17" name="Rectangle 16">
-              <a:extLst>
-                <a:ext uri="{FF2B5EF4-FFF2-40B4-BE49-F238E27FC236}">
-                  <a16:creationId xmlns:a16="http://schemas.microsoft.com/office/drawing/2014/main" id="{BF41956C-FC8D-2F09-1A0A-E7DED2BE9FCD}"/>
-                </a:ext>
-              </a:extLst>
-            </p:cNvPr>
-            <p:cNvSpPr/>
-            <p:nvPr/>
-          </p:nvSpPr>
-          <p:spPr>
-            <a:xfrm>
-              <a:off x="4840408" y="4056517"/>
-              <a:ext cx="849143" cy="323165"/>
-            </a:xfrm>
-            <a:prstGeom prst="rect">
-              <a:avLst/>
-            </a:prstGeom>
-            <a:noFill/>
-            <a:ln>
-              <a:solidFill>
-                <a:schemeClr val="tx1"/>
-              </a:solidFill>
-            </a:ln>
-          </p:spPr>
-          <p:txBody>
-            <a:bodyPr wrap="none" lIns="91440" tIns="45720" rIns="91440" bIns="45720">
-              <a:spAutoFit/>
-            </a:bodyPr>
-            <a:lstStyle/>
-            <a:p>
-              <a:r>
-                <a:rPr lang="en-US" sz="1500" b="1" cap="none" spc="0" dirty="0" err="1">
-                  <a:ln w="0"/>
-                  <a:effectLst>
-                    <a:outerShdw blurRad="38100" dist="19050" dir="2700000" algn="tl" rotWithShape="0">
-                      <a:schemeClr val="dk1">
-                        <a:alpha val="40000"/>
-                      </a:schemeClr>
-                    </a:outerShdw>
-                  </a:effectLst>
-                </a:rPr>
-                <a:t>Vlookup</a:t>
-              </a:r>
-              <a:endParaRPr lang="en-US" sz="1500" b="1" cap="none" spc="0" dirty="0">
-                <a:ln w="0"/>
-                <a:effectLst>
-                  <a:outerShdw blurRad="38100" dist="19050" dir="2700000" algn="tl" rotWithShape="0">
-                    <a:schemeClr val="dk1">
-                      <a:alpha val="40000"/>
-                    </a:schemeClr>
-                  </a:outerShdw>
-                </a:effectLst>
-              </a:endParaRPr>
-            </a:p>
-          </p:txBody>
-        </p:sp>
-        <p:sp>
-          <p:nvSpPr>
-            <p:cNvPr id="18" name="Rectangle 17">
-              <a:extLst>
-                <a:ext uri="{FF2B5EF4-FFF2-40B4-BE49-F238E27FC236}">
-                  <a16:creationId xmlns:a16="http://schemas.microsoft.com/office/drawing/2014/main" id="{4730B9D2-26BB-124B-34A1-80AC46BECE75}"/>
-                </a:ext>
-              </a:extLst>
-            </p:cNvPr>
-            <p:cNvSpPr/>
-            <p:nvPr/>
-          </p:nvSpPr>
-          <p:spPr>
-            <a:xfrm>
-              <a:off x="5984811" y="4056517"/>
-              <a:ext cx="1057982" cy="323165"/>
-            </a:xfrm>
-            <a:prstGeom prst="rect">
-              <a:avLst/>
-            </a:prstGeom>
-            <a:noFill/>
-            <a:ln>
-              <a:solidFill>
-                <a:schemeClr val="tx1"/>
-              </a:solidFill>
-            </a:ln>
-          </p:spPr>
-          <p:txBody>
-            <a:bodyPr wrap="none" lIns="91440" tIns="45720" rIns="91440" bIns="45720">
-              <a:spAutoFit/>
-            </a:bodyPr>
-            <a:lstStyle/>
-            <a:p>
-              <a:r>
-                <a:rPr lang="en-US" sz="1500" b="1" cap="none" spc="0" dirty="0">
-                  <a:ln w="0"/>
-                  <a:effectLst>
-                    <a:outerShdw blurRad="38100" dist="19050" dir="2700000" algn="tl" rotWithShape="0">
-                      <a:schemeClr val="dk1">
-                        <a:alpha val="40000"/>
-                      </a:schemeClr>
-                    </a:outerShdw>
-                  </a:effectLst>
-                </a:rPr>
-                <a:t>Pivot Table</a:t>
-              </a:r>
-            </a:p>
-          </p:txBody>
-        </p:sp>
-        <p:sp>
-          <p:nvSpPr>
-            <p:cNvPr id="19" name="Rectangle 18">
-              <a:extLst>
-                <a:ext uri="{FF2B5EF4-FFF2-40B4-BE49-F238E27FC236}">
-                  <a16:creationId xmlns:a16="http://schemas.microsoft.com/office/drawing/2014/main" id="{8BE4C9F3-FA04-8674-FD91-4005D70ACDE5}"/>
-                </a:ext>
-              </a:extLst>
-            </p:cNvPr>
-            <p:cNvSpPr/>
-            <p:nvPr/>
-          </p:nvSpPr>
-          <p:spPr>
-            <a:xfrm>
-              <a:off x="7408713" y="4056517"/>
-              <a:ext cx="1210139" cy="323165"/>
-            </a:xfrm>
-            <a:prstGeom prst="rect">
-              <a:avLst/>
-            </a:prstGeom>
-            <a:noFill/>
-            <a:ln>
-              <a:solidFill>
-                <a:schemeClr val="tx1"/>
-              </a:solidFill>
-            </a:ln>
-          </p:spPr>
-          <p:txBody>
-            <a:bodyPr wrap="none" lIns="91440" tIns="45720" rIns="91440" bIns="45720">
-              <a:spAutoFit/>
-            </a:bodyPr>
-            <a:lstStyle/>
-            <a:p>
-              <a:r>
-                <a:rPr lang="en-US" sz="1500" b="1" cap="none" spc="0" dirty="0" err="1">
-                  <a:ln w="0"/>
-                  <a:effectLst>
-                    <a:outerShdw blurRad="38100" dist="19050" dir="2700000" algn="tl" rotWithShape="0">
-                      <a:schemeClr val="dk1">
-                        <a:alpha val="40000"/>
-                      </a:schemeClr>
-                    </a:outerShdw>
-                  </a:effectLst>
-                </a:rPr>
-                <a:t>Analisis</a:t>
-              </a:r>
-              <a:r>
-                <a:rPr lang="en-US" sz="1500" b="1" cap="none" spc="0" dirty="0">
-                  <a:ln w="0"/>
-                  <a:effectLst>
-                    <a:outerShdw blurRad="38100" dist="19050" dir="2700000" algn="tl" rotWithShape="0">
-                      <a:schemeClr val="dk1">
-                        <a:alpha val="40000"/>
-                      </a:schemeClr>
-                    </a:outerShdw>
-                  </a:effectLst>
-                </a:rPr>
-                <a:t> Data</a:t>
-              </a:r>
-            </a:p>
-          </p:txBody>
-        </p:sp>
-        <p:sp>
-          <p:nvSpPr>
-            <p:cNvPr id="20" name="Rectangle 19">
-              <a:extLst>
-                <a:ext uri="{FF2B5EF4-FFF2-40B4-BE49-F238E27FC236}">
-                  <a16:creationId xmlns:a16="http://schemas.microsoft.com/office/drawing/2014/main" id="{43F4DE38-6451-0BDA-67A0-3F240334C9CE}"/>
-                </a:ext>
-              </a:extLst>
-            </p:cNvPr>
-            <p:cNvSpPr/>
-            <p:nvPr/>
-          </p:nvSpPr>
-          <p:spPr>
-            <a:xfrm>
-              <a:off x="9035491" y="4056517"/>
-              <a:ext cx="844334" cy="323165"/>
-            </a:xfrm>
-            <a:prstGeom prst="rect">
-              <a:avLst/>
-            </a:prstGeom>
-            <a:noFill/>
-            <a:ln>
-              <a:solidFill>
-                <a:schemeClr val="tx1"/>
-              </a:solidFill>
-            </a:ln>
-          </p:spPr>
-          <p:txBody>
-            <a:bodyPr wrap="none" lIns="91440" tIns="45720" rIns="91440" bIns="45720">
-              <a:spAutoFit/>
-            </a:bodyPr>
-            <a:lstStyle/>
-            <a:p>
-              <a:r>
-                <a:rPr lang="en-US" sz="1500" b="1" cap="none" spc="0" dirty="0">
-                  <a:ln w="0"/>
-                  <a:effectLst>
-                    <a:outerShdw blurRad="38100" dist="19050" dir="2700000" algn="tl" rotWithShape="0">
-                      <a:schemeClr val="dk1">
-                        <a:alpha val="40000"/>
-                      </a:schemeClr>
-                    </a:outerShdw>
-                  </a:effectLst>
-                </a:rPr>
-                <a:t>Formula</a:t>
-              </a:r>
-            </a:p>
-          </p:txBody>
-        </p:sp>
-        <p:sp>
-          <p:nvSpPr>
-            <p:cNvPr id="21" name="Rectangle 20">
-              <a:extLst>
-                <a:ext uri="{FF2B5EF4-FFF2-40B4-BE49-F238E27FC236}">
-                  <a16:creationId xmlns:a16="http://schemas.microsoft.com/office/drawing/2014/main" id="{67F32C75-4004-FB25-4B4C-45D0EEC18F56}"/>
-                </a:ext>
-              </a:extLst>
-            </p:cNvPr>
-            <p:cNvSpPr/>
-            <p:nvPr/>
-          </p:nvSpPr>
-          <p:spPr>
-            <a:xfrm>
-              <a:off x="4095219" y="4568431"/>
-              <a:ext cx="1228926" cy="323165"/>
-            </a:xfrm>
-            <a:prstGeom prst="rect">
-              <a:avLst/>
-            </a:prstGeom>
-            <a:noFill/>
-            <a:ln>
-              <a:solidFill>
-                <a:schemeClr val="tx1"/>
-              </a:solidFill>
-            </a:ln>
-          </p:spPr>
-          <p:txBody>
-            <a:bodyPr wrap="none" lIns="91440" tIns="45720" rIns="91440" bIns="45720">
-              <a:spAutoFit/>
-            </a:bodyPr>
-            <a:lstStyle/>
-            <a:p>
-              <a:r>
-                <a:rPr lang="en-US" sz="1500" b="1" cap="none" spc="0" dirty="0">
-                  <a:ln w="0"/>
-                  <a:effectLst>
-                    <a:outerShdw blurRad="38100" dist="19050" dir="2700000" algn="tl" rotWithShape="0">
-                      <a:schemeClr val="dk1">
-                        <a:alpha val="40000"/>
-                      </a:schemeClr>
-                    </a:outerShdw>
-                  </a:effectLst>
-                </a:rPr>
-                <a:t>Power Query</a:t>
-              </a:r>
-            </a:p>
-          </p:txBody>
-        </p:sp>
-        <p:sp>
-          <p:nvSpPr>
-            <p:cNvPr id="22" name="Rectangle 21">
-              <a:extLst>
-                <a:ext uri="{FF2B5EF4-FFF2-40B4-BE49-F238E27FC236}">
-                  <a16:creationId xmlns:a16="http://schemas.microsoft.com/office/drawing/2014/main" id="{CED3EC6C-EDDD-AE9B-18E6-A5F60B30AFA5}"/>
-                </a:ext>
-              </a:extLst>
-            </p:cNvPr>
-            <p:cNvSpPr/>
-            <p:nvPr/>
-          </p:nvSpPr>
-          <p:spPr>
-            <a:xfrm>
-              <a:off x="5755261" y="4568431"/>
-              <a:ext cx="795411" cy="323165"/>
-            </a:xfrm>
-            <a:prstGeom prst="rect">
-              <a:avLst/>
-            </a:prstGeom>
-            <a:noFill/>
-            <a:ln>
-              <a:solidFill>
-                <a:schemeClr val="tx1"/>
-              </a:solidFill>
-            </a:ln>
-          </p:spPr>
-          <p:txBody>
-            <a:bodyPr wrap="none" lIns="91440" tIns="45720" rIns="91440" bIns="45720">
-              <a:spAutoFit/>
-            </a:bodyPr>
-            <a:lstStyle/>
-            <a:p>
-              <a:r>
-                <a:rPr lang="en-US" sz="1500" b="1" cap="none" spc="0" dirty="0">
-                  <a:ln w="0"/>
-                  <a:effectLst>
-                    <a:outerShdw blurRad="38100" dist="19050" dir="2700000" algn="tl" rotWithShape="0">
-                      <a:schemeClr val="dk1">
-                        <a:alpha val="40000"/>
-                      </a:schemeClr>
-                    </a:outerShdw>
-                  </a:effectLst>
-                </a:rPr>
-                <a:t>Finance</a:t>
-              </a:r>
-            </a:p>
-          </p:txBody>
-        </p:sp>
-        <p:sp>
-          <p:nvSpPr>
-            <p:cNvPr id="23" name="Rectangle 22">
-              <a:extLst>
-                <a:ext uri="{FF2B5EF4-FFF2-40B4-BE49-F238E27FC236}">
-                  <a16:creationId xmlns:a16="http://schemas.microsoft.com/office/drawing/2014/main" id="{E924178B-7DCC-9CE8-30E2-9767825559E9}"/>
-                </a:ext>
-              </a:extLst>
-            </p:cNvPr>
-            <p:cNvSpPr/>
-            <p:nvPr/>
-          </p:nvSpPr>
-          <p:spPr>
-            <a:xfrm>
-              <a:off x="6838863" y="4568431"/>
-              <a:ext cx="1147750" cy="323165"/>
-            </a:xfrm>
-            <a:prstGeom prst="rect">
-              <a:avLst/>
-            </a:prstGeom>
-            <a:noFill/>
-            <a:ln>
-              <a:solidFill>
-                <a:schemeClr val="tx1"/>
-              </a:solidFill>
-            </a:ln>
-          </p:spPr>
-          <p:txBody>
-            <a:bodyPr wrap="none" lIns="91440" tIns="45720" rIns="91440" bIns="45720">
-              <a:spAutoFit/>
-            </a:bodyPr>
-            <a:lstStyle/>
-            <a:p>
-              <a:r>
-                <a:rPr lang="en-US" sz="1500" b="1" cap="none" spc="0" dirty="0">
-                  <a:ln w="0"/>
-                  <a:effectLst>
-                    <a:outerShdw blurRad="38100" dist="19050" dir="2700000" algn="tl" rotWithShape="0">
-                      <a:schemeClr val="dk1">
-                        <a:alpha val="40000"/>
-                      </a:schemeClr>
-                    </a:outerShdw>
-                  </a:effectLst>
-                </a:rPr>
-                <a:t>Power Pivot</a:t>
-              </a:r>
-            </a:p>
-          </p:txBody>
-        </p:sp>
-        <p:sp>
-          <p:nvSpPr>
-            <p:cNvPr id="24" name="Rectangle 23">
-              <a:extLst>
-                <a:ext uri="{FF2B5EF4-FFF2-40B4-BE49-F238E27FC236}">
-                  <a16:creationId xmlns:a16="http://schemas.microsoft.com/office/drawing/2014/main" id="{B6C5B049-3EB8-911B-869E-9CF6B18F8342}"/>
-                </a:ext>
-              </a:extLst>
-            </p:cNvPr>
-            <p:cNvSpPr/>
-            <p:nvPr/>
-          </p:nvSpPr>
-          <p:spPr>
-            <a:xfrm>
-              <a:off x="8384771" y="4568431"/>
-              <a:ext cx="896271" cy="323165"/>
-            </a:xfrm>
-            <a:prstGeom prst="rect">
-              <a:avLst/>
-            </a:prstGeom>
-            <a:noFill/>
-            <a:ln>
-              <a:solidFill>
-                <a:schemeClr val="tx1"/>
-              </a:solidFill>
-            </a:ln>
-          </p:spPr>
-          <p:txBody>
-            <a:bodyPr wrap="none" lIns="91440" tIns="45720" rIns="91440" bIns="45720">
-              <a:spAutoFit/>
-            </a:bodyPr>
-            <a:lstStyle/>
-            <a:p>
-              <a:r>
-                <a:rPr lang="en-US" sz="1500" b="1" cap="none" spc="0" dirty="0">
-                  <a:ln w="0"/>
-                  <a:effectLst>
-                    <a:outerShdw blurRad="38100" dist="19050" dir="2700000" algn="tl" rotWithShape="0">
-                      <a:schemeClr val="dk1">
-                        <a:alpha val="40000"/>
-                      </a:schemeClr>
-                    </a:outerShdw>
-                  </a:effectLst>
-                </a:rPr>
-                <a:t>Power BI</a:t>
-              </a:r>
-            </a:p>
-          </p:txBody>
-        </p:sp>
-        <p:sp>
-          <p:nvSpPr>
-            <p:cNvPr id="25" name="Rectangle 24">
-              <a:extLst>
-                <a:ext uri="{FF2B5EF4-FFF2-40B4-BE49-F238E27FC236}">
-                  <a16:creationId xmlns:a16="http://schemas.microsoft.com/office/drawing/2014/main" id="{C140128C-1F14-B330-D3EB-9ED7EEBED0BC}"/>
-                </a:ext>
-              </a:extLst>
-            </p:cNvPr>
-            <p:cNvSpPr/>
-            <p:nvPr/>
-          </p:nvSpPr>
-          <p:spPr>
-            <a:xfrm>
-              <a:off x="4095219" y="5080345"/>
-              <a:ext cx="1257652" cy="323165"/>
-            </a:xfrm>
-            <a:prstGeom prst="rect">
-              <a:avLst/>
-            </a:prstGeom>
-            <a:noFill/>
-            <a:ln>
-              <a:solidFill>
-                <a:schemeClr val="tx1"/>
-              </a:solidFill>
-            </a:ln>
-          </p:spPr>
-          <p:txBody>
-            <a:bodyPr wrap="none" lIns="91440" tIns="45720" rIns="91440" bIns="45720">
-              <a:spAutoFit/>
-            </a:bodyPr>
-            <a:lstStyle/>
-            <a:p>
-              <a:r>
-                <a:rPr lang="en-US" sz="1500" b="1" cap="none" spc="0" dirty="0">
-                  <a:ln w="0"/>
-                  <a:effectLst>
-                    <a:outerShdw blurRad="38100" dist="19050" dir="2700000" algn="tl" rotWithShape="0">
-                      <a:schemeClr val="dk1">
-                        <a:alpha val="40000"/>
-                      </a:schemeClr>
-                    </a:outerShdw>
-                  </a:effectLst>
-                </a:rPr>
-                <a:t>Macro &amp; VBA</a:t>
-              </a:r>
-            </a:p>
-          </p:txBody>
-        </p:sp>
-        <p:sp>
-          <p:nvSpPr>
-            <p:cNvPr id="26" name="Rectangle 25">
-              <a:extLst>
-                <a:ext uri="{FF2B5EF4-FFF2-40B4-BE49-F238E27FC236}">
-                  <a16:creationId xmlns:a16="http://schemas.microsoft.com/office/drawing/2014/main" id="{9D93484B-5485-A21C-97B6-4BFB374A36B0}"/>
-                </a:ext>
-              </a:extLst>
-            </p:cNvPr>
-            <p:cNvSpPr/>
-            <p:nvPr/>
-          </p:nvSpPr>
-          <p:spPr>
-            <a:xfrm>
-              <a:off x="5793399" y="5080345"/>
-              <a:ext cx="1329788" cy="323165"/>
-            </a:xfrm>
-            <a:prstGeom prst="rect">
-              <a:avLst/>
-            </a:prstGeom>
-            <a:noFill/>
-            <a:ln>
-              <a:solidFill>
-                <a:schemeClr val="tx1"/>
-              </a:solidFill>
-            </a:ln>
-          </p:spPr>
-          <p:txBody>
-            <a:bodyPr wrap="none" lIns="91440" tIns="45720" rIns="91440" bIns="45720">
-              <a:spAutoFit/>
-            </a:bodyPr>
-            <a:lstStyle/>
-            <a:p>
-              <a:r>
-                <a:rPr lang="en-US" sz="1500" b="1" cap="none" spc="0" dirty="0">
-                  <a:ln w="0"/>
-                  <a:effectLst>
-                    <a:outerShdw blurRad="38100" dist="19050" dir="2700000" algn="tl" rotWithShape="0">
-                      <a:schemeClr val="dk1">
-                        <a:alpha val="40000"/>
-                      </a:schemeClr>
-                    </a:outerShdw>
-                  </a:effectLst>
-                </a:rPr>
-                <a:t>Chart &amp; Graph</a:t>
-              </a:r>
-            </a:p>
-          </p:txBody>
-        </p:sp>
-        <p:sp>
-          <p:nvSpPr>
-            <p:cNvPr id="27" name="Rectangle 26">
-              <a:extLst>
-                <a:ext uri="{FF2B5EF4-FFF2-40B4-BE49-F238E27FC236}">
-                  <a16:creationId xmlns:a16="http://schemas.microsoft.com/office/drawing/2014/main" id="{96A0B187-7E12-3D81-F4DA-CC13091D3B9B}"/>
-                </a:ext>
-              </a:extLst>
-            </p:cNvPr>
-            <p:cNvSpPr/>
-            <p:nvPr/>
-          </p:nvSpPr>
-          <p:spPr>
-            <a:xfrm>
-              <a:off x="7571916" y="5080345"/>
-              <a:ext cx="1051122" cy="323165"/>
-            </a:xfrm>
-            <a:prstGeom prst="rect">
-              <a:avLst/>
-            </a:prstGeom>
-            <a:noFill/>
-            <a:ln>
-              <a:solidFill>
-                <a:schemeClr val="tx1"/>
-              </a:solidFill>
-            </a:ln>
-          </p:spPr>
-          <p:txBody>
-            <a:bodyPr wrap="none" lIns="91440" tIns="45720" rIns="91440" bIns="45720">
-              <a:spAutoFit/>
-            </a:bodyPr>
-            <a:lstStyle/>
-            <a:p>
-              <a:r>
-                <a:rPr lang="en-US" sz="1500" b="1" cap="none" spc="0" dirty="0">
-                  <a:ln w="0"/>
-                  <a:effectLst>
-                    <a:outerShdw blurRad="38100" dist="19050" dir="2700000" algn="tl" rotWithShape="0">
-                      <a:schemeClr val="dk1">
-                        <a:alpha val="40000"/>
-                      </a:schemeClr>
-                    </a:outerShdw>
-                  </a:effectLst>
-                </a:rPr>
-                <a:t>Dashboard</a:t>
-              </a:r>
-            </a:p>
-          </p:txBody>
-        </p:sp>
-      </p:grpSp>
-      <p:sp>
-        <p:nvSpPr>
-          <p:cNvPr id="4" name="Rectangle 3">
-            <a:extLst>
-              <a:ext uri="{FF2B5EF4-FFF2-40B4-BE49-F238E27FC236}">
-                <a16:creationId xmlns:a16="http://schemas.microsoft.com/office/drawing/2014/main" id="{E3D60EB9-3B62-8CEA-8489-0819E3B1AFFB}"/>
-              </a:ext>
-            </a:extLst>
-          </p:cNvPr>
-          <p:cNvSpPr/>
+      <p:sp>
+        <p:nvSpPr>
+          <p:cNvPr id="5" name="TextBox 4">
+            <a:extLst>
+              <a:ext uri="{FF2B5EF4-FFF2-40B4-BE49-F238E27FC236}">
+                <a16:creationId xmlns:a16="http://schemas.microsoft.com/office/drawing/2014/main" id="{3AC16BB0-04F6-2E62-F7A3-3E1B83BC4335}"/>
+              </a:ext>
+            </a:extLst>
+          </p:cNvPr>
+          <p:cNvSpPr txBox="1"/>
           <p:nvPr/>
         </p:nvSpPr>
         <p:spPr>
           <a:xfrm>
-            <a:off x="4765984" y="11628"/>
-            <a:ext cx="2727029" cy="938719"/>
+            <a:off x="3048000" y="3244334"/>
+            <a:ext cx="7802880" cy="646331"/>
           </a:xfrm>
           <a:prstGeom prst="rect">
             <a:avLst/>
           </a:prstGeom>
           <a:noFill/>
-          <a:ln>
-            <a:solidFill>
-              <a:schemeClr val="tx1"/>
-            </a:solidFill>
-          </a:ln>
         </p:spPr>
         <p:txBody>
-          <a:bodyPr wrap="none" lIns="91440" tIns="45720" rIns="91440" bIns="45720">
+          <a:bodyPr wrap="square">
             <a:spAutoFit/>
           </a:bodyPr>
           <a:lstStyle/>
           <a:p>
-            <a:pPr algn="ctr"/>
-            <a:r>
-              <a:rPr lang="en-US" sz="2000" b="1" cap="none" spc="0" dirty="0" err="1">
-                <a:ln w="0"/>
-                <a:solidFill>
-                  <a:schemeClr val="tx1"/>
-                </a:solidFill>
-                <a:effectLst>
-                  <a:outerShdw blurRad="38100" dist="19050" dir="2700000" algn="tl" rotWithShape="0">
-                    <a:schemeClr val="dk1">
-                      <a:alpha val="40000"/>
-                    </a:schemeClr>
-                  </a:outerShdw>
-                </a:effectLst>
+            <a:r>
+              <a:rPr lang="en-MY" dirty="0">
+                <a:hlinkClick r:id="rId2"/>
               </a:rPr>
-              <a:t>Mudah</a:t>
-            </a:r>
-            <a:r>
-              <a:rPr lang="en-US" sz="2000" b="1" dirty="0" err="1">
-                <a:ln w="0"/>
-                <a:effectLst>
-                  <a:outerShdw blurRad="38100" dist="19050" dir="2700000" algn="tl" rotWithShape="0">
-                    <a:schemeClr val="dk1">
-                      <a:alpha val="40000"/>
-                    </a:schemeClr>
-                  </a:outerShdw>
-                </a:effectLst>
+              <a:t>https://gemini.google.com/app/8157cecc394357f3</a:t>
+            </a:r>
+            <a:r>
+              <a:rPr lang="en-MY" dirty="0"/>
+              <a:t> - </a:t>
+            </a:r>
+            <a:r>
+              <a:rPr lang="en-MY" dirty="0" err="1"/>
+              <a:t>gemini</a:t>
+            </a:r>
+            <a:r>
+              <a:rPr lang="en-MY" dirty="0"/>
+              <a:t> </a:t>
+            </a:r>
+            <a:r>
+              <a:rPr lang="en-MY" dirty="0" err="1"/>
+              <a:t>aizatsofian</a:t>
+            </a:r>
+            <a:endParaRPr lang="en-MY" dirty="0"/>
+          </a:p>
+          <a:p>
+            <a:r>
+              <a:rPr lang="en-MY" dirty="0">
+                <a:hlinkClick r:id="rId3"/>
               </a:rPr>
-              <a:t>nya</a:t>
-            </a:r>
-            <a:r>
-              <a:rPr lang="en-US" sz="2000" b="1" dirty="0">
-                <a:ln w="0"/>
-                <a:effectLst>
-                  <a:outerShdw blurRad="38100" dist="19050" dir="2700000" algn="tl" rotWithShape="0">
-                    <a:schemeClr val="dk1">
-                      <a:alpha val="40000"/>
-                    </a:schemeClr>
-                  </a:outerShdw>
-                </a:effectLst>
-              </a:rPr>
+              <a:t>https://gemini.google.com/u/1/app/f960ff54f029ab0e</a:t>
+            </a:r>
+            <a:r>
+              <a:rPr lang="en-MY" dirty="0"/>
+              <a:t> - </a:t>
+            </a:r>
+            <a:r>
+              <a:rPr lang="en-MY" dirty="0" err="1"/>
+              <a:t>gemini</a:t>
+            </a:r>
+            <a:r>
+              <a:rPr lang="en-MY" dirty="0"/>
               <a:t> </a:t>
             </a:r>
             <a:r>
-              <a:rPr lang="en-US" sz="2000" b="1" dirty="0" err="1">
-                <a:ln w="0"/>
-                <a:effectLst>
-                  <a:outerShdw blurRad="38100" dist="19050" dir="2700000" algn="tl" rotWithShape="0">
-                    <a:schemeClr val="dk1">
-                      <a:alpha val="40000"/>
-                    </a:schemeClr>
-                  </a:outerShdw>
-                </a:effectLst>
-              </a:rPr>
-              <a:t>Belajar</a:t>
-            </a:r>
-            <a:r>
-              <a:rPr lang="en-US" sz="2000" b="1" dirty="0">
-                <a:ln w="0"/>
-                <a:effectLst>
-                  <a:outerShdw blurRad="38100" dist="19050" dir="2700000" algn="tl" rotWithShape="0">
-                    <a:schemeClr val="dk1">
-                      <a:alpha val="40000"/>
-                    </a:schemeClr>
-                  </a:outerShdw>
-                </a:effectLst>
-              </a:rPr>
-              <a:t> Excel</a:t>
-            </a:r>
-          </a:p>
-          <a:p>
-            <a:pPr algn="ctr"/>
-            <a:r>
-              <a:rPr lang="en-US" sz="2000" b="1" cap="none" spc="0" dirty="0">
-                <a:ln w="0"/>
-                <a:solidFill>
-                  <a:schemeClr val="tx1"/>
-                </a:solidFill>
-                <a:effectLst>
-                  <a:outerShdw blurRad="38100" dist="19050" dir="2700000" algn="tl" rotWithShape="0">
-                    <a:schemeClr val="dk1">
-                      <a:alpha val="40000"/>
-                    </a:schemeClr>
-                  </a:outerShdw>
-                </a:effectLst>
-              </a:rPr>
-              <a:t>Bersama </a:t>
-            </a:r>
-            <a:r>
-              <a:rPr lang="en-US" sz="2000" b="1" cap="none" spc="0" dirty="0">
-                <a:ln w="0"/>
-                <a:solidFill>
-                  <a:srgbClr val="C00000"/>
-                </a:solidFill>
-                <a:effectLst>
-                  <a:outerShdw blurRad="38100" dist="19050" dir="2700000" algn="tl" rotWithShape="0">
-                    <a:schemeClr val="dk1">
-                      <a:alpha val="40000"/>
-                    </a:schemeClr>
-                  </a:outerShdw>
-                </a:effectLst>
-              </a:rPr>
-              <a:t>Dr Aizat</a:t>
-            </a:r>
-          </a:p>
-          <a:p>
-            <a:pPr algn="ctr"/>
-            <a:r>
-              <a:rPr lang="en-US" sz="1500" b="1" dirty="0" err="1">
-                <a:ln w="0"/>
-                <a:solidFill>
-                  <a:srgbClr val="0070C0"/>
-                </a:solidFill>
-                <a:effectLst>
-                  <a:outerShdw blurRad="38100" dist="19050" dir="2700000" algn="tl" rotWithShape="0">
-                    <a:schemeClr val="dk1">
-                      <a:alpha val="40000"/>
-                    </a:schemeClr>
-                  </a:outerShdw>
-                </a:effectLst>
-              </a:rPr>
-              <a:t>Whatsapp</a:t>
-            </a:r>
-            <a:r>
-              <a:rPr lang="en-US" sz="1500" b="1" dirty="0">
-                <a:ln w="0"/>
-                <a:solidFill>
-                  <a:srgbClr val="0070C0"/>
-                </a:solidFill>
-                <a:effectLst>
-                  <a:outerShdw blurRad="38100" dist="19050" dir="2700000" algn="tl" rotWithShape="0">
-                    <a:schemeClr val="dk1">
-                      <a:alpha val="40000"/>
-                    </a:schemeClr>
-                  </a:outerShdw>
-                </a:effectLst>
-              </a:rPr>
-              <a:t> : 010 231 4951</a:t>
-            </a:r>
-            <a:endParaRPr lang="en-US" sz="1500" b="1" cap="none" spc="0" dirty="0">
-              <a:ln w="0"/>
-              <a:solidFill>
-                <a:srgbClr val="0070C0"/>
-              </a:solidFill>
-              <a:effectLst>
-                <a:outerShdw blurRad="38100" dist="19050" dir="2700000" algn="tl" rotWithShape="0">
-                  <a:schemeClr val="dk1">
-                    <a:alpha val="40000"/>
-                  </a:schemeClr>
-                </a:outerShdw>
-              </a:effectLst>
-            </a:endParaRPr>
-          </a:p>
-        </p:txBody>
-      </p:sp>
+              <a:rPr lang="en-MY" dirty="0" err="1"/>
+              <a:t>aizatsofian</a:t>
+            </a:r>
+            <a:endParaRPr lang="en-MY" dirty="0"/>
+          </a:p>
+        </p:txBody>
+      </p:sp>
+    </p:spTree>
+    <p:extLst>
+      <p:ext uri="{BB962C8B-B14F-4D97-AF65-F5344CB8AC3E}">
+        <p14:creationId xmlns:p14="http://schemas.microsoft.com/office/powerpoint/2010/main" val="2190831254"/>
+      </p:ext>
+    </p:extLst>
+  </p:cSld>
+  <p:clrMapOvr>
+    <a:masterClrMapping/>
+  </p:clrMapOvr>
+</p:sld>
+</file>
+
+<file path=ppt/slides/slide2.xml><?xml version="1.0" encoding="utf-8"?>
+<p:sld xmlns:a="http://schemas.openxmlformats.org/drawingml/2006/main" xmlns:r="http://schemas.openxmlformats.org/officeDocument/2006/relationships" xmlns:p="http://schemas.openxmlformats.org/presentationml/2006/main">
+  <p:cSld>
+    <p:spTree>
+      <p:nvGrpSpPr>
+        <p:cNvPr id="1" name=""/>
+        <p:cNvGrpSpPr/>
+        <p:nvPr/>
+      </p:nvGrpSpPr>
+      <p:grpSpPr>
+        <a:xfrm>
+          <a:off x="0" y="0"/>
+          <a:ext cx="0" cy="0"/>
+          <a:chOff x="0" y="0"/>
+          <a:chExt cx="0" cy="0"/>
+        </a:xfrm>
+      </p:grpSpPr>
       <p:pic>
         <p:nvPicPr>
-          <p:cNvPr id="6" name="Picture 5">
-            <a:extLst>
-              <a:ext uri="{FF2B5EF4-FFF2-40B4-BE49-F238E27FC236}">
-                <a16:creationId xmlns:a16="http://schemas.microsoft.com/office/drawing/2014/main" id="{5E42C73F-6ECB-2718-D46B-B8595F03671A}"/>
+          <p:cNvPr id="5" name="Picture 4">
+            <a:extLst>
+              <a:ext uri="{FF2B5EF4-FFF2-40B4-BE49-F238E27FC236}">
+                <a16:creationId xmlns:a16="http://schemas.microsoft.com/office/drawing/2014/main" id="{1739A254-49F9-581C-CE8F-701CBDA629A9}"/>
               </a:ext>
             </a:extLst>
           </p:cNvPr>
@@ -4270,22 +3473,81 @@
           <p:nvPr/>
         </p:nvPicPr>
         <p:blipFill>
-          <a:blip r:embed="rId4">
-            <a:extLst>
-              <a:ext uri="{28A0092B-C50C-407E-A947-70E740481C1C}">
-                <a14:useLocalDpi xmlns:a14="http://schemas.microsoft.com/office/drawing/2010/main" val="0"/>
-              </a:ext>
-            </a:extLst>
-          </a:blip>
-          <a:srcRect b="30460"/>
+          <a:blip r:embed="rId2"/>
           <a:stretch>
             <a:fillRect/>
           </a:stretch>
         </p:blipFill>
         <p:spPr>
-          <a:xfrm flipH="1">
-            <a:off x="4225984" y="58600"/>
-            <a:ext cx="540000" cy="835108"/>
+          <a:xfrm>
+            <a:off x="0" y="0"/>
+            <a:ext cx="12192000" cy="6858000"/>
+          </a:xfrm>
+          <a:prstGeom prst="rect">
+            <a:avLst/>
+          </a:prstGeom>
+        </p:spPr>
+      </p:pic>
+    </p:spTree>
+    <p:extLst>
+      <p:ext uri="{BB962C8B-B14F-4D97-AF65-F5344CB8AC3E}">
+        <p14:creationId xmlns:p14="http://schemas.microsoft.com/office/powerpoint/2010/main" val="1267910260"/>
+      </p:ext>
+    </p:extLst>
+  </p:cSld>
+  <p:clrMapOvr>
+    <a:masterClrMapping/>
+  </p:clrMapOvr>
+</p:sld>
+</file>
+
+<file path=ppt/slides/slide3.xml><?xml version="1.0" encoding="utf-8"?>
+<p:sld xmlns:a="http://schemas.openxmlformats.org/drawingml/2006/main" xmlns:r="http://schemas.openxmlformats.org/officeDocument/2006/relationships" xmlns:p="http://schemas.openxmlformats.org/presentationml/2006/main">
+  <p:cSld>
+    <p:spTree>
+      <p:nvGrpSpPr>
+        <p:cNvPr id="1" name=""/>
+        <p:cNvGrpSpPr/>
+        <p:nvPr/>
+      </p:nvGrpSpPr>
+      <p:grpSpPr>
+        <a:xfrm>
+          <a:off x="0" y="0"/>
+          <a:ext cx="0" cy="0"/>
+          <a:chOff x="0" y="0"/>
+          <a:chExt cx="0" cy="0"/>
+        </a:xfrm>
+      </p:grpSpPr>
+      <p:pic>
+        <p:nvPicPr>
+          <p:cNvPr id="5" name="Picture 4">
+            <a:extLst>
+              <a:ext uri="{FF2B5EF4-FFF2-40B4-BE49-F238E27FC236}">
+                <a16:creationId xmlns:a16="http://schemas.microsoft.com/office/drawing/2014/main" id="{0FB530FD-C03D-359A-9C8D-275DD0FB7A31}"/>
+              </a:ext>
+            </a:extLst>
+          </p:cNvPr>
+          <p:cNvPicPr>
+            <a:picLocks noChangeAspect="1"/>
+          </p:cNvPicPr>
+          <p:nvPr/>
+        </p:nvPicPr>
+        <p:blipFill>
+          <a:blip r:embed="rId2">
+            <a:extLst>
+              <a:ext uri="{28A0092B-C50C-407E-A947-70E740481C1C}">
+                <a14:useLocalDpi xmlns:a14="http://schemas.microsoft.com/office/drawing/2010/main" val="0"/>
+              </a:ext>
+            </a:extLst>
+          </a:blip>
+          <a:stretch>
+            <a:fillRect/>
+          </a:stretch>
+        </p:blipFill>
+        <p:spPr>
+          <a:xfrm>
+            <a:off x="1198880" y="712909"/>
+            <a:ext cx="3600000" cy="2025000"/>
           </a:xfrm>
           <a:prstGeom prst="rect">
             <a:avLst/>
@@ -4297,12 +3559,1152 @@
           </a:ln>
         </p:spPr>
       </p:pic>
+      <p:sp>
+        <p:nvSpPr>
+          <p:cNvPr id="7" name="TextBox 6">
+            <a:extLst>
+              <a:ext uri="{FF2B5EF4-FFF2-40B4-BE49-F238E27FC236}">
+                <a16:creationId xmlns:a16="http://schemas.microsoft.com/office/drawing/2014/main" id="{20A42FC0-E8FB-576E-C1DB-427580C84D30}"/>
+              </a:ext>
+            </a:extLst>
+          </p:cNvPr>
+          <p:cNvSpPr txBox="1"/>
+          <p:nvPr/>
+        </p:nvSpPr>
+        <p:spPr>
+          <a:xfrm>
+            <a:off x="5105400" y="712909"/>
+            <a:ext cx="3901440" cy="400110"/>
+          </a:xfrm>
+          <a:prstGeom prst="rect">
+            <a:avLst/>
+          </a:prstGeom>
+          <a:solidFill>
+            <a:schemeClr val="accent5">
+              <a:lumMod val="20000"/>
+              <a:lumOff val="80000"/>
+            </a:schemeClr>
+          </a:solidFill>
+          <a:ln>
+            <a:noFill/>
+          </a:ln>
+        </p:spPr>
+        <p:txBody>
+          <a:bodyPr wrap="square">
+            <a:spAutoFit/>
+          </a:bodyPr>
+          <a:lstStyle/>
+          <a:p>
+            <a:pPr algn="ctr"/>
+            <a:r>
+              <a:rPr lang="en-MY" sz="2000" b="1" i="0" dirty="0">
+                <a:effectLst/>
+                <a:latin typeface="Roboto" panose="02000000000000000000" pitchFamily="2" charset="0"/>
+              </a:rPr>
+              <a:t>Excel Asas</a:t>
+            </a:r>
+            <a:endParaRPr lang="en-MY" sz="2000" b="1" dirty="0"/>
+          </a:p>
+        </p:txBody>
+      </p:sp>
+      <p:sp>
+        <p:nvSpPr>
+          <p:cNvPr id="13" name="TextBox 12">
+            <a:extLst>
+              <a:ext uri="{FF2B5EF4-FFF2-40B4-BE49-F238E27FC236}">
+                <a16:creationId xmlns:a16="http://schemas.microsoft.com/office/drawing/2014/main" id="{92A57DC3-C171-AC82-C1B9-E31364D6CFB9}"/>
+              </a:ext>
+            </a:extLst>
+          </p:cNvPr>
+          <p:cNvSpPr txBox="1"/>
+          <p:nvPr/>
+        </p:nvSpPr>
+        <p:spPr>
+          <a:xfrm>
+            <a:off x="5105400" y="1204349"/>
+            <a:ext cx="3901439" cy="3416320"/>
+          </a:xfrm>
+          <a:prstGeom prst="rect">
+            <a:avLst/>
+          </a:prstGeom>
+          <a:solidFill>
+            <a:schemeClr val="accent4">
+              <a:lumMod val="20000"/>
+              <a:lumOff val="80000"/>
+            </a:schemeClr>
+          </a:solidFill>
+          <a:ln>
+            <a:solidFill>
+              <a:schemeClr val="accent4">
+                <a:lumMod val="20000"/>
+                <a:lumOff val="80000"/>
+              </a:schemeClr>
+            </a:solidFill>
+          </a:ln>
+        </p:spPr>
+        <p:txBody>
+          <a:bodyPr wrap="square" numCol="2">
+            <a:spAutoFit/>
+          </a:bodyPr>
+          <a:lstStyle/>
+          <a:p>
+            <a:pPr marL="342900" indent="-342900">
+              <a:buAutoNum type="arabicPeriod"/>
+            </a:pPr>
+            <a:r>
+              <a:rPr lang="en-MY" sz="1200" dirty="0"/>
+              <a:t>Intro – Apa yang </a:t>
+            </a:r>
+            <a:r>
+              <a:rPr lang="en-MY" sz="1200" dirty="0" err="1"/>
+              <a:t>anda</a:t>
+            </a:r>
+            <a:r>
+              <a:rPr lang="en-MY" sz="1200" dirty="0"/>
+              <a:t> </a:t>
+            </a:r>
+            <a:r>
+              <a:rPr lang="en-MY" sz="1200" dirty="0" err="1"/>
+              <a:t>akan</a:t>
+            </a:r>
+            <a:r>
+              <a:rPr lang="en-MY" sz="1200" dirty="0"/>
+              <a:t> </a:t>
+            </a:r>
+            <a:r>
+              <a:rPr lang="en-MY" sz="1200" dirty="0" err="1"/>
+              <a:t>belajar</a:t>
+            </a:r>
+            <a:r>
+              <a:rPr lang="en-MY" sz="1200" dirty="0"/>
+              <a:t> </a:t>
+            </a:r>
+            <a:r>
+              <a:rPr lang="en-MY" sz="1200" dirty="0" err="1"/>
+              <a:t>hari</a:t>
+            </a:r>
+            <a:r>
+              <a:rPr lang="en-MY" sz="1200" dirty="0"/>
+              <a:t> </a:t>
+            </a:r>
+            <a:r>
+              <a:rPr lang="en-MY" sz="1200" dirty="0" err="1"/>
+              <a:t>ni</a:t>
+            </a:r>
+            <a:endParaRPr lang="en-MY" sz="1200" dirty="0"/>
+          </a:p>
+          <a:p>
+            <a:pPr marL="342900" indent="-342900">
+              <a:buAutoNum type="arabicPeriod"/>
+            </a:pPr>
+            <a:r>
+              <a:rPr lang="en-MY" sz="1200" dirty="0"/>
+              <a:t>Latar </a:t>
+            </a:r>
+            <a:r>
+              <a:rPr lang="en-MY" sz="1200" dirty="0" err="1"/>
+              <a:t>belakang</a:t>
+            </a:r>
+            <a:r>
+              <a:rPr lang="en-MY" sz="1200" dirty="0"/>
+              <a:t> </a:t>
+            </a:r>
+            <a:r>
+              <a:rPr lang="en-MY" sz="1200" dirty="0" err="1"/>
+              <a:t>pasal</a:t>
+            </a:r>
+            <a:r>
+              <a:rPr lang="en-MY" sz="1200" dirty="0"/>
+              <a:t> dashboard</a:t>
+            </a:r>
+          </a:p>
+          <a:p>
+            <a:pPr marL="342900" indent="-342900">
+              <a:buAutoNum type="arabicPeriod"/>
+            </a:pPr>
+            <a:r>
+              <a:rPr lang="en-MY" sz="1200" dirty="0" err="1"/>
+              <a:t>Tengok</a:t>
+            </a:r>
+            <a:r>
+              <a:rPr lang="en-MY" sz="1200" dirty="0"/>
+              <a:t> </a:t>
+            </a:r>
+            <a:r>
+              <a:rPr lang="en-MY" sz="1200" dirty="0" err="1"/>
+              <a:t>dulu</a:t>
+            </a:r>
+            <a:r>
+              <a:rPr lang="en-MY" sz="1200" dirty="0"/>
+              <a:t> overview data yang </a:t>
+            </a:r>
+            <a:r>
+              <a:rPr lang="en-MY" sz="1200" dirty="0" err="1"/>
+              <a:t>kita</a:t>
+            </a:r>
+            <a:r>
+              <a:rPr lang="en-MY" sz="1200" dirty="0"/>
+              <a:t> guna	</a:t>
+            </a:r>
+          </a:p>
+          <a:p>
+            <a:pPr marL="342900" indent="-342900">
+              <a:buAutoNum type="arabicPeriod"/>
+            </a:pPr>
+            <a:r>
+              <a:rPr lang="en-MY" sz="1200" dirty="0"/>
+              <a:t>Buat table </a:t>
+            </a:r>
+            <a:r>
+              <a:rPr lang="en-MY" sz="1200" dirty="0" err="1"/>
+              <a:t>dari</a:t>
+            </a:r>
+            <a:r>
+              <a:rPr lang="en-MY" sz="1200" dirty="0"/>
+              <a:t> data	</a:t>
+            </a:r>
+          </a:p>
+          <a:p>
+            <a:pPr marL="342900" indent="-342900">
+              <a:buAutoNum type="arabicPeriod"/>
+            </a:pPr>
+            <a:r>
+              <a:rPr lang="en-MY" sz="1200" dirty="0"/>
+              <a:t>Masukkan Pivot Table</a:t>
+            </a:r>
+          </a:p>
+          <a:p>
+            <a:pPr marL="342900" indent="-342900">
+              <a:buAutoNum type="arabicPeriod"/>
+            </a:pPr>
+            <a:r>
+              <a:rPr lang="en-MY" sz="1200" dirty="0"/>
+              <a:t>Pivot Table 1 – </a:t>
+            </a:r>
+            <a:r>
+              <a:rPr lang="en-MY" sz="1200" dirty="0" err="1"/>
+              <a:t>Fokus</a:t>
+            </a:r>
+            <a:r>
+              <a:rPr lang="en-MY" sz="1200" dirty="0"/>
+              <a:t> </a:t>
+            </a:r>
+            <a:r>
+              <a:rPr lang="en-MY" sz="1200" dirty="0" err="1"/>
+              <a:t>analisis</a:t>
+            </a:r>
+            <a:r>
+              <a:rPr lang="en-MY" sz="1200" dirty="0"/>
+              <a:t> </a:t>
+            </a:r>
+            <a:r>
+              <a:rPr lang="en-MY" sz="1200" dirty="0" err="1"/>
+              <a:t>pertama</a:t>
+            </a:r>
+            <a:r>
+              <a:rPr lang="en-MY" sz="1200" dirty="0"/>
+              <a:t>	</a:t>
+            </a:r>
+          </a:p>
+          <a:p>
+            <a:pPr marL="342900" indent="-342900">
+              <a:buAutoNum type="arabicPeriod"/>
+            </a:pPr>
+            <a:r>
+              <a:rPr lang="en-MY" sz="1200" dirty="0"/>
+              <a:t>Pivot Table 2 – </a:t>
+            </a:r>
+            <a:r>
+              <a:rPr lang="en-MY" sz="1200" dirty="0" err="1"/>
+              <a:t>Sambung</a:t>
+            </a:r>
+            <a:r>
+              <a:rPr lang="en-MY" sz="1200" dirty="0"/>
+              <a:t> </a:t>
+            </a:r>
+            <a:r>
+              <a:rPr lang="en-MY" sz="1200" dirty="0" err="1"/>
+              <a:t>analisis</a:t>
+            </a:r>
+            <a:r>
+              <a:rPr lang="en-MY" sz="1200" dirty="0"/>
+              <a:t> </a:t>
+            </a:r>
+            <a:r>
+              <a:rPr lang="en-MY" sz="1200" dirty="0" err="1"/>
+              <a:t>lagi</a:t>
+            </a:r>
+            <a:r>
+              <a:rPr lang="en-MY" sz="1200" dirty="0"/>
+              <a:t>	</a:t>
+            </a:r>
+          </a:p>
+          <a:p>
+            <a:pPr marL="342900" indent="-342900">
+              <a:buAutoNum type="arabicPeriod"/>
+            </a:pPr>
+            <a:r>
+              <a:rPr lang="en-MY" sz="1200" dirty="0"/>
+              <a:t>Pivot Table 3 – </a:t>
+            </a:r>
+            <a:r>
+              <a:rPr lang="en-MY" sz="1200" dirty="0" err="1"/>
+              <a:t>Lengkapkan</a:t>
+            </a:r>
+            <a:r>
+              <a:rPr lang="en-MY" sz="1200" dirty="0"/>
+              <a:t> insight	</a:t>
+            </a:r>
+          </a:p>
+          <a:p>
+            <a:pPr marL="342900" indent="-342900">
+              <a:buAutoNum type="arabicPeriod"/>
+            </a:pPr>
+            <a:r>
+              <a:rPr lang="en-MY" sz="1200" dirty="0" err="1"/>
+              <a:t>Susun</a:t>
+            </a:r>
+            <a:r>
+              <a:rPr lang="en-MY" sz="1200" dirty="0"/>
+              <a:t> </a:t>
+            </a:r>
+            <a:r>
+              <a:rPr lang="en-MY" sz="1200" dirty="0" err="1"/>
+              <a:t>semua</a:t>
+            </a:r>
+            <a:r>
+              <a:rPr lang="en-MY" sz="1200" dirty="0"/>
+              <a:t> </a:t>
+            </a:r>
+            <a:r>
+              <a:rPr lang="en-MY" sz="1200" dirty="0" err="1"/>
+              <a:t>objek</a:t>
+            </a:r>
+            <a:r>
+              <a:rPr lang="en-MY" sz="1200" dirty="0"/>
+              <a:t> </a:t>
+            </a:r>
+            <a:r>
+              <a:rPr lang="en-MY" sz="1200" dirty="0" err="1"/>
+              <a:t>bagi</a:t>
+            </a:r>
+            <a:r>
+              <a:rPr lang="en-MY" sz="1200" dirty="0"/>
+              <a:t> </a:t>
+            </a:r>
+            <a:r>
+              <a:rPr lang="en-MY" sz="1200" dirty="0" err="1"/>
+              <a:t>nampak</a:t>
+            </a:r>
+            <a:r>
+              <a:rPr lang="en-MY" sz="1200" dirty="0"/>
+              <a:t> </a:t>
+            </a:r>
+            <a:r>
+              <a:rPr lang="en-MY" sz="1200" dirty="0" err="1"/>
+              <a:t>kemas</a:t>
+            </a:r>
+            <a:endParaRPr lang="en-MY" sz="1200" dirty="0"/>
+          </a:p>
+          <a:p>
+            <a:pPr marL="342900" indent="-342900">
+              <a:buAutoNum type="arabicPeriod"/>
+            </a:pPr>
+            <a:r>
+              <a:rPr lang="en-MY" sz="1200" dirty="0"/>
+              <a:t>Set </a:t>
+            </a:r>
+            <a:r>
+              <a:rPr lang="en-MY" sz="1200" dirty="0" err="1"/>
+              <a:t>tinggi</a:t>
+            </a:r>
+            <a:r>
+              <a:rPr lang="en-MY" sz="1200" dirty="0"/>
+              <a:t> &amp; </a:t>
+            </a:r>
+            <a:r>
+              <a:rPr lang="en-MY" sz="1200" dirty="0" err="1"/>
+              <a:t>lebar</a:t>
+            </a:r>
+            <a:r>
+              <a:rPr lang="en-MY" sz="1200" dirty="0"/>
+              <a:t> carta </a:t>
+            </a:r>
+            <a:r>
+              <a:rPr lang="en-MY" sz="1200" dirty="0" err="1"/>
+              <a:t>supaya</a:t>
+            </a:r>
+            <a:r>
+              <a:rPr lang="en-MY" sz="1200" dirty="0"/>
+              <a:t> </a:t>
+            </a:r>
+            <a:r>
+              <a:rPr lang="en-MY" sz="1200" dirty="0" err="1"/>
+              <a:t>seimbang</a:t>
+            </a:r>
+            <a:endParaRPr lang="en-MY" sz="1200" dirty="0"/>
+          </a:p>
+          <a:p>
+            <a:pPr marL="342900" indent="-342900">
+              <a:buAutoNum type="arabicPeriod"/>
+            </a:pPr>
+            <a:r>
+              <a:rPr lang="en-MY" sz="1200" dirty="0"/>
+              <a:t>Masukkan Timeline &amp; Slicers </a:t>
+            </a:r>
+            <a:r>
+              <a:rPr lang="en-MY" sz="1200" dirty="0" err="1"/>
+              <a:t>untuk</a:t>
+            </a:r>
+            <a:r>
+              <a:rPr lang="en-MY" sz="1200" dirty="0"/>
+              <a:t> </a:t>
+            </a:r>
+            <a:r>
+              <a:rPr lang="en-MY" sz="1200" dirty="0" err="1"/>
+              <a:t>interaktif</a:t>
+            </a:r>
+            <a:endParaRPr lang="en-MY" sz="1200" dirty="0"/>
+          </a:p>
+          <a:p>
+            <a:pPr marL="342900" indent="-342900">
+              <a:buAutoNum type="arabicPeriod"/>
+            </a:pPr>
+            <a:r>
+              <a:rPr lang="en-MY" sz="1200" dirty="0" err="1"/>
+              <a:t>Sambungkan</a:t>
+            </a:r>
+            <a:r>
+              <a:rPr lang="en-MY" sz="1200" dirty="0"/>
+              <a:t> Slicers </a:t>
+            </a:r>
+            <a:r>
+              <a:rPr lang="en-MY" sz="1200" dirty="0" err="1"/>
+              <a:t>ke</a:t>
+            </a:r>
+            <a:r>
+              <a:rPr lang="en-MY" sz="1200" dirty="0"/>
+              <a:t> </a:t>
+            </a:r>
+            <a:r>
+              <a:rPr lang="en-MY" sz="1200" dirty="0" err="1"/>
+              <a:t>semua</a:t>
+            </a:r>
+            <a:r>
+              <a:rPr lang="en-MY" sz="1200" dirty="0"/>
+              <a:t> Pivot Chart</a:t>
+            </a:r>
+          </a:p>
+          <a:p>
+            <a:pPr marL="342900" indent="-342900">
+              <a:buAutoNum type="arabicPeriod"/>
+            </a:pPr>
+            <a:r>
+              <a:rPr lang="en-MY" sz="1200" dirty="0"/>
+              <a:t>Guna Slicers </a:t>
+            </a:r>
+            <a:r>
+              <a:rPr lang="en-MY" sz="1200" dirty="0" err="1"/>
+              <a:t>untuk</a:t>
+            </a:r>
+            <a:r>
+              <a:rPr lang="en-MY" sz="1200" dirty="0"/>
+              <a:t> tapis data </a:t>
+            </a:r>
+            <a:r>
+              <a:rPr lang="en-MY" sz="1200" dirty="0" err="1"/>
+              <a:t>dengan</a:t>
+            </a:r>
+            <a:r>
+              <a:rPr lang="en-MY" sz="1200" dirty="0"/>
+              <a:t> </a:t>
+            </a:r>
+            <a:r>
+              <a:rPr lang="en-MY" sz="1200" dirty="0" err="1"/>
+              <a:t>mudah</a:t>
+            </a:r>
+            <a:endParaRPr lang="en-MY" sz="1200" dirty="0"/>
+          </a:p>
+          <a:p>
+            <a:pPr marL="342900" indent="-342900">
+              <a:buAutoNum type="arabicPeriod"/>
+            </a:pPr>
+            <a:r>
+              <a:rPr lang="en-MY" sz="1200" dirty="0"/>
+              <a:t>Masukkan data </a:t>
+            </a:r>
+            <a:r>
+              <a:rPr lang="en-MY" sz="1200" dirty="0" err="1"/>
+              <a:t>baru</a:t>
+            </a:r>
+            <a:r>
+              <a:rPr lang="en-MY" sz="1200" dirty="0"/>
+              <a:t> &amp; refresh dashboard</a:t>
+            </a:r>
+          </a:p>
+          <a:p>
+            <a:pPr marL="342900" indent="-342900">
+              <a:buAutoNum type="arabicPeriod"/>
+            </a:pPr>
+            <a:r>
+              <a:rPr lang="en-MY" sz="1200" dirty="0" err="1"/>
+              <a:t>Tukar</a:t>
+            </a:r>
+            <a:r>
+              <a:rPr lang="en-MY" sz="1200" dirty="0"/>
+              <a:t> view </a:t>
+            </a:r>
+            <a:r>
+              <a:rPr lang="en-MY" sz="1200" dirty="0" err="1"/>
+              <a:t>supaya</a:t>
+            </a:r>
+            <a:r>
+              <a:rPr lang="en-MY" sz="1200" dirty="0"/>
+              <a:t> </a:t>
+            </a:r>
+            <a:r>
+              <a:rPr lang="en-MY" sz="1200" dirty="0" err="1"/>
+              <a:t>tak</a:t>
+            </a:r>
+            <a:r>
+              <a:rPr lang="en-MY" sz="1200" dirty="0"/>
+              <a:t> </a:t>
+            </a:r>
+            <a:r>
+              <a:rPr lang="en-MY" sz="1200" dirty="0" err="1"/>
+              <a:t>nampak</a:t>
+            </a:r>
+            <a:r>
+              <a:rPr lang="en-MY" sz="1200" dirty="0"/>
+              <a:t> </a:t>
+            </a:r>
+            <a:r>
+              <a:rPr lang="en-MY" sz="1200" dirty="0" err="1"/>
+              <a:t>macam</a:t>
+            </a:r>
+            <a:r>
+              <a:rPr lang="en-MY" sz="1200" dirty="0"/>
+              <a:t> Excel sangat</a:t>
+            </a:r>
+          </a:p>
+          <a:p>
+            <a:pPr marL="342900" indent="-342900">
+              <a:buAutoNum type="arabicPeriod"/>
+            </a:pPr>
+            <a:r>
+              <a:rPr lang="en-MY" sz="1200" dirty="0" err="1"/>
+              <a:t>Tukar</a:t>
+            </a:r>
+            <a:r>
+              <a:rPr lang="en-MY" sz="1200" dirty="0"/>
+              <a:t> </a:t>
+            </a:r>
+            <a:r>
+              <a:rPr lang="en-MY" sz="1200" dirty="0" err="1"/>
+              <a:t>tema</a:t>
+            </a:r>
+            <a:r>
+              <a:rPr lang="en-MY" sz="1200" dirty="0"/>
+              <a:t> </a:t>
+            </a:r>
+            <a:r>
+              <a:rPr lang="en-MY" sz="1200" dirty="0" err="1"/>
+              <a:t>ikut</a:t>
+            </a:r>
+            <a:r>
+              <a:rPr lang="en-MY" sz="1200" dirty="0"/>
+              <a:t> </a:t>
+            </a:r>
+            <a:r>
+              <a:rPr lang="en-MY" sz="1200" dirty="0" err="1"/>
+              <a:t>citarasa</a:t>
+            </a:r>
+            <a:r>
+              <a:rPr lang="en-MY" sz="1200" dirty="0"/>
+              <a:t> </a:t>
+            </a:r>
+            <a:r>
+              <a:rPr lang="en-MY" sz="1200" dirty="0" err="1"/>
+              <a:t>sendiri</a:t>
+            </a:r>
+            <a:endParaRPr lang="en-MY" sz="1200" dirty="0"/>
+          </a:p>
+          <a:p>
+            <a:pPr marL="342900" indent="-342900">
+              <a:buAutoNum type="arabicPeriod"/>
+            </a:pPr>
+            <a:r>
+              <a:rPr lang="en-MY" sz="1200" dirty="0"/>
+              <a:t>Kongsi dashboard </a:t>
+            </a:r>
+            <a:r>
+              <a:rPr lang="en-MY" sz="1200" dirty="0" err="1"/>
+              <a:t>dengan</a:t>
+            </a:r>
+            <a:r>
+              <a:rPr lang="en-MY" sz="1200" dirty="0"/>
+              <a:t> orang lain</a:t>
+            </a:r>
+          </a:p>
+          <a:p>
+            <a:pPr marL="342900" indent="-342900">
+              <a:buAutoNum type="arabicPeriod"/>
+            </a:pPr>
+            <a:r>
+              <a:rPr lang="en-MY" sz="1200" dirty="0"/>
+              <a:t>Wrap up – </a:t>
+            </a:r>
+            <a:r>
+              <a:rPr lang="en-MY" sz="1200" dirty="0" err="1"/>
+              <a:t>Ringkasan</a:t>
+            </a:r>
+            <a:r>
+              <a:rPr lang="en-MY" sz="1200" dirty="0"/>
+              <a:t> </a:t>
+            </a:r>
+            <a:r>
+              <a:rPr lang="en-MY" sz="1200" dirty="0" err="1"/>
+              <a:t>apa</a:t>
+            </a:r>
+            <a:r>
+              <a:rPr lang="en-MY" sz="1200" dirty="0"/>
+              <a:t> dah </a:t>
+            </a:r>
+            <a:r>
+              <a:rPr lang="en-MY" sz="1200" dirty="0" err="1"/>
+              <a:t>belajar</a:t>
+            </a:r>
+            <a:endParaRPr lang="en-MY" sz="1200" dirty="0"/>
+          </a:p>
+        </p:txBody>
+      </p:sp>
+      <p:sp>
+        <p:nvSpPr>
+          <p:cNvPr id="14" name="TextBox 13">
+            <a:extLst>
+              <a:ext uri="{FF2B5EF4-FFF2-40B4-BE49-F238E27FC236}">
+                <a16:creationId xmlns:a16="http://schemas.microsoft.com/office/drawing/2014/main" id="{BE66C3C9-5B3A-09FC-8199-2B1D653B46E4}"/>
+              </a:ext>
+            </a:extLst>
+          </p:cNvPr>
+          <p:cNvSpPr txBox="1"/>
+          <p:nvPr/>
+        </p:nvSpPr>
+        <p:spPr>
+          <a:xfrm>
+            <a:off x="1198880" y="3125869"/>
+            <a:ext cx="1554480" cy="400110"/>
+          </a:xfrm>
+          <a:prstGeom prst="rect">
+            <a:avLst/>
+          </a:prstGeom>
+          <a:solidFill>
+            <a:schemeClr val="accent3">
+              <a:lumMod val="20000"/>
+              <a:lumOff val="80000"/>
+            </a:schemeClr>
+          </a:solidFill>
+          <a:ln>
+            <a:noFill/>
+          </a:ln>
+        </p:spPr>
+        <p:txBody>
+          <a:bodyPr wrap="square">
+            <a:spAutoFit/>
+          </a:bodyPr>
+          <a:lstStyle/>
+          <a:p>
+            <a:pPr algn="ctr"/>
+            <a:r>
+              <a:rPr lang="en-MY" sz="2000" b="1" dirty="0">
+                <a:latin typeface="Roboto" panose="02000000000000000000" pitchFamily="2" charset="0"/>
+              </a:rPr>
+              <a:t>RM 10</a:t>
+            </a:r>
+            <a:endParaRPr lang="en-MY" sz="2000" b="1" dirty="0"/>
+          </a:p>
+        </p:txBody>
+      </p:sp>
+      <p:sp>
+        <p:nvSpPr>
+          <p:cNvPr id="15" name="TextBox 14">
+            <a:extLst>
+              <a:ext uri="{FF2B5EF4-FFF2-40B4-BE49-F238E27FC236}">
+                <a16:creationId xmlns:a16="http://schemas.microsoft.com/office/drawing/2014/main" id="{B5C83C7E-A239-5276-C014-1196AF644837}"/>
+              </a:ext>
+            </a:extLst>
+          </p:cNvPr>
+          <p:cNvSpPr txBox="1"/>
+          <p:nvPr/>
+        </p:nvSpPr>
+        <p:spPr>
+          <a:xfrm>
+            <a:off x="1198880" y="3805825"/>
+            <a:ext cx="1554480" cy="400110"/>
+          </a:xfrm>
+          <a:prstGeom prst="rect">
+            <a:avLst/>
+          </a:prstGeom>
+          <a:solidFill>
+            <a:srgbClr val="FFFF00"/>
+          </a:solidFill>
+          <a:ln>
+            <a:noFill/>
+          </a:ln>
+        </p:spPr>
+        <p:txBody>
+          <a:bodyPr wrap="square">
+            <a:spAutoFit/>
+          </a:bodyPr>
+          <a:lstStyle/>
+          <a:p>
+            <a:pPr algn="ctr"/>
+            <a:r>
+              <a:rPr lang="en-MY" sz="2000" b="1" dirty="0">
+                <a:latin typeface="Roboto" panose="02000000000000000000" pitchFamily="2" charset="0"/>
+              </a:rPr>
+              <a:t>Add To Cart</a:t>
+            </a:r>
+            <a:endParaRPr lang="en-MY" sz="2000" b="1" dirty="0"/>
+          </a:p>
+        </p:txBody>
+      </p:sp>
+      <p:sp>
+        <p:nvSpPr>
+          <p:cNvPr id="16" name="TextBox 15">
+            <a:extLst>
+              <a:ext uri="{FF2B5EF4-FFF2-40B4-BE49-F238E27FC236}">
+                <a16:creationId xmlns:a16="http://schemas.microsoft.com/office/drawing/2014/main" id="{31EB0F28-B66E-1FD5-F230-B2DB04EE10EB}"/>
+              </a:ext>
+            </a:extLst>
+          </p:cNvPr>
+          <p:cNvSpPr txBox="1"/>
+          <p:nvPr/>
+        </p:nvSpPr>
+        <p:spPr>
+          <a:xfrm>
+            <a:off x="3244400" y="3805825"/>
+            <a:ext cx="1554480" cy="400110"/>
+          </a:xfrm>
+          <a:prstGeom prst="rect">
+            <a:avLst/>
+          </a:prstGeom>
+          <a:solidFill>
+            <a:srgbClr val="FF0000"/>
+          </a:solidFill>
+          <a:ln>
+            <a:noFill/>
+          </a:ln>
+        </p:spPr>
+        <p:txBody>
+          <a:bodyPr wrap="square">
+            <a:spAutoFit/>
+          </a:bodyPr>
+          <a:lstStyle/>
+          <a:p>
+            <a:pPr algn="ctr"/>
+            <a:r>
+              <a:rPr lang="en-MY" sz="2000" b="1" dirty="0">
+                <a:solidFill>
+                  <a:schemeClr val="bg1"/>
+                </a:solidFill>
+                <a:latin typeface="Roboto" panose="02000000000000000000" pitchFamily="2" charset="0"/>
+              </a:rPr>
+              <a:t>Buy Now</a:t>
+            </a:r>
+            <a:endParaRPr lang="en-MY" sz="2000" b="1" dirty="0">
+              <a:solidFill>
+                <a:schemeClr val="bg1"/>
+              </a:solidFill>
+            </a:endParaRPr>
+          </a:p>
+        </p:txBody>
+      </p:sp>
+      <p:sp>
+        <p:nvSpPr>
+          <p:cNvPr id="17" name="TextBox 16">
+            <a:extLst>
+              <a:ext uri="{FF2B5EF4-FFF2-40B4-BE49-F238E27FC236}">
+                <a16:creationId xmlns:a16="http://schemas.microsoft.com/office/drawing/2014/main" id="{16CC1950-6956-50FF-6D60-59AFE420281C}"/>
+              </a:ext>
+            </a:extLst>
+          </p:cNvPr>
+          <p:cNvSpPr txBox="1"/>
+          <p:nvPr/>
+        </p:nvSpPr>
+        <p:spPr>
+          <a:xfrm>
+            <a:off x="3244400" y="3122761"/>
+            <a:ext cx="1522360" cy="323165"/>
+          </a:xfrm>
+          <a:prstGeom prst="rect">
+            <a:avLst/>
+          </a:prstGeom>
+          <a:solidFill>
+            <a:schemeClr val="accent3">
+              <a:lumMod val="20000"/>
+              <a:lumOff val="80000"/>
+            </a:schemeClr>
+          </a:solidFill>
+          <a:ln>
+            <a:noFill/>
+          </a:ln>
+        </p:spPr>
+        <p:txBody>
+          <a:bodyPr wrap="square">
+            <a:spAutoFit/>
+          </a:bodyPr>
+          <a:lstStyle/>
+          <a:p>
+            <a:pPr algn="ctr"/>
+            <a:r>
+              <a:rPr lang="en-MY" sz="1500" dirty="0">
+                <a:latin typeface="Roboto" panose="02000000000000000000" pitchFamily="2" charset="0"/>
+              </a:rPr>
+              <a:t>87 Sold</a:t>
+            </a:r>
+            <a:endParaRPr lang="en-MY" sz="1500" dirty="0"/>
+          </a:p>
+        </p:txBody>
+      </p:sp>
       <p:pic>
         <p:nvPicPr>
-          <p:cNvPr id="1026" name="Picture 2">
-            <a:extLst>
-              <a:ext uri="{FF2B5EF4-FFF2-40B4-BE49-F238E27FC236}">
-                <a16:creationId xmlns:a16="http://schemas.microsoft.com/office/drawing/2014/main" id="{9D7AE53D-7B28-39C0-CF4B-06AAAC9CFAD2}"/>
+          <p:cNvPr id="19" name="Picture 18">
+            <a:extLst>
+              <a:ext uri="{FF2B5EF4-FFF2-40B4-BE49-F238E27FC236}">
+                <a16:creationId xmlns:a16="http://schemas.microsoft.com/office/drawing/2014/main" id="{87A4CC45-220C-FA00-1483-0D22F84B3AA2}"/>
+              </a:ext>
+            </a:extLst>
+          </p:cNvPr>
+          <p:cNvPicPr>
+            <a:picLocks noChangeAspect="1"/>
+          </p:cNvPicPr>
+          <p:nvPr/>
+        </p:nvPicPr>
+        <p:blipFill>
+          <a:blip r:embed="rId3"/>
+          <a:stretch>
+            <a:fillRect/>
+          </a:stretch>
+        </p:blipFill>
+        <p:spPr>
+          <a:xfrm>
+            <a:off x="1198880" y="0"/>
+            <a:ext cx="7807960" cy="536630"/>
+          </a:xfrm>
+          <a:prstGeom prst="rect">
+            <a:avLst/>
+          </a:prstGeom>
+          <a:ln>
+            <a:solidFill>
+              <a:schemeClr val="tx1"/>
+            </a:solidFill>
+          </a:ln>
+        </p:spPr>
+      </p:pic>
+      <p:sp>
+        <p:nvSpPr>
+          <p:cNvPr id="20" name="TextBox 19">
+            <a:extLst>
+              <a:ext uri="{FF2B5EF4-FFF2-40B4-BE49-F238E27FC236}">
+                <a16:creationId xmlns:a16="http://schemas.microsoft.com/office/drawing/2014/main" id="{0D2D1E7C-37B8-CD4A-3E74-1F7324A6D301}"/>
+              </a:ext>
+            </a:extLst>
+          </p:cNvPr>
+          <p:cNvSpPr txBox="1"/>
+          <p:nvPr/>
+        </p:nvSpPr>
+        <p:spPr>
+          <a:xfrm>
+            <a:off x="1198880" y="4711999"/>
+            <a:ext cx="7807960" cy="323165"/>
+          </a:xfrm>
+          <a:prstGeom prst="rect">
+            <a:avLst/>
+          </a:prstGeom>
+          <a:solidFill>
+            <a:schemeClr val="accent6">
+              <a:lumMod val="20000"/>
+              <a:lumOff val="80000"/>
+            </a:schemeClr>
+          </a:solidFill>
+          <a:ln>
+            <a:noFill/>
+          </a:ln>
+        </p:spPr>
+        <p:txBody>
+          <a:bodyPr wrap="square">
+            <a:spAutoFit/>
+          </a:bodyPr>
+          <a:lstStyle/>
+          <a:p>
+            <a:pPr algn="ctr"/>
+            <a:r>
+              <a:rPr lang="en-MY" sz="1500" b="1" dirty="0">
+                <a:latin typeface="Roboto" panose="02000000000000000000" pitchFamily="2" charset="0"/>
+              </a:rPr>
+              <a:t>Feedback</a:t>
+            </a:r>
+            <a:endParaRPr lang="en-MY" sz="1500" b="1" dirty="0"/>
+          </a:p>
+        </p:txBody>
+      </p:sp>
+      <p:sp>
+        <p:nvSpPr>
+          <p:cNvPr id="21" name="TextBox 20">
+            <a:extLst>
+              <a:ext uri="{FF2B5EF4-FFF2-40B4-BE49-F238E27FC236}">
+                <a16:creationId xmlns:a16="http://schemas.microsoft.com/office/drawing/2014/main" id="{81CB77FF-AA96-AA35-9962-040B70DECE5F}"/>
+              </a:ext>
+            </a:extLst>
+          </p:cNvPr>
+          <p:cNvSpPr txBox="1"/>
+          <p:nvPr/>
+        </p:nvSpPr>
+        <p:spPr>
+          <a:xfrm>
+            <a:off x="1498600" y="5126805"/>
+            <a:ext cx="3472180" cy="246221"/>
+          </a:xfrm>
+          <a:prstGeom prst="rect">
+            <a:avLst/>
+          </a:prstGeom>
+          <a:solidFill>
+            <a:schemeClr val="accent2">
+              <a:lumMod val="20000"/>
+              <a:lumOff val="80000"/>
+            </a:schemeClr>
+          </a:solidFill>
+          <a:ln>
+            <a:noFill/>
+          </a:ln>
+        </p:spPr>
+        <p:txBody>
+          <a:bodyPr wrap="square">
+            <a:spAutoFit/>
+          </a:bodyPr>
+          <a:lstStyle/>
+          <a:p>
+            <a:r>
+              <a:rPr lang="en-MY" sz="1000" dirty="0">
+                <a:latin typeface="Roboto" panose="02000000000000000000" pitchFamily="2" charset="0"/>
+              </a:rPr>
+              <a:t>Aizat : Sangat </a:t>
+            </a:r>
+            <a:r>
+              <a:rPr lang="en-MY" sz="1000" dirty="0" err="1">
+                <a:latin typeface="Roboto" panose="02000000000000000000" pitchFamily="2" charset="0"/>
+              </a:rPr>
+              <a:t>membantu</a:t>
+            </a:r>
+            <a:r>
+              <a:rPr lang="en-MY" sz="1000" dirty="0">
+                <a:latin typeface="Roboto" panose="02000000000000000000" pitchFamily="2" charset="0"/>
+              </a:rPr>
+              <a:t> </a:t>
+            </a:r>
+            <a:endParaRPr lang="en-MY" sz="1000" dirty="0"/>
+          </a:p>
+        </p:txBody>
+      </p:sp>
+      <p:sp>
+        <p:nvSpPr>
+          <p:cNvPr id="22" name="TextBox 21">
+            <a:extLst>
+              <a:ext uri="{FF2B5EF4-FFF2-40B4-BE49-F238E27FC236}">
+                <a16:creationId xmlns:a16="http://schemas.microsoft.com/office/drawing/2014/main" id="{18572D33-C17C-83D8-081B-EE8AF2D1D53F}"/>
+              </a:ext>
+            </a:extLst>
+          </p:cNvPr>
+          <p:cNvSpPr txBox="1"/>
+          <p:nvPr/>
+        </p:nvSpPr>
+        <p:spPr>
+          <a:xfrm>
+            <a:off x="5534660" y="5126494"/>
+            <a:ext cx="3472180" cy="246221"/>
+          </a:xfrm>
+          <a:prstGeom prst="rect">
+            <a:avLst/>
+          </a:prstGeom>
+          <a:solidFill>
+            <a:schemeClr val="accent2">
+              <a:lumMod val="20000"/>
+              <a:lumOff val="80000"/>
+            </a:schemeClr>
+          </a:solidFill>
+          <a:ln>
+            <a:noFill/>
+          </a:ln>
+        </p:spPr>
+        <p:txBody>
+          <a:bodyPr wrap="square">
+            <a:spAutoFit/>
+          </a:bodyPr>
+          <a:lstStyle/>
+          <a:p>
+            <a:r>
+              <a:rPr lang="en-MY" sz="1000" dirty="0">
+                <a:latin typeface="Roboto" panose="02000000000000000000" pitchFamily="2" charset="0"/>
+              </a:rPr>
+              <a:t>Juliana : Best sangat</a:t>
+            </a:r>
+            <a:endParaRPr lang="en-MY" sz="1000" dirty="0"/>
+          </a:p>
+        </p:txBody>
+      </p:sp>
+      <p:sp>
+        <p:nvSpPr>
+          <p:cNvPr id="23" name="TextBox 22">
+            <a:extLst>
+              <a:ext uri="{FF2B5EF4-FFF2-40B4-BE49-F238E27FC236}">
+                <a16:creationId xmlns:a16="http://schemas.microsoft.com/office/drawing/2014/main" id="{287BBE00-574A-38CE-C461-AB5D8EFC8548}"/>
+              </a:ext>
+            </a:extLst>
+          </p:cNvPr>
+          <p:cNvSpPr txBox="1"/>
+          <p:nvPr/>
+        </p:nvSpPr>
+        <p:spPr>
+          <a:xfrm>
+            <a:off x="1498600" y="5420016"/>
+            <a:ext cx="3472180" cy="246221"/>
+          </a:xfrm>
+          <a:prstGeom prst="rect">
+            <a:avLst/>
+          </a:prstGeom>
+          <a:solidFill>
+            <a:schemeClr val="accent2">
+              <a:lumMod val="20000"/>
+              <a:lumOff val="80000"/>
+            </a:schemeClr>
+          </a:solidFill>
+          <a:ln>
+            <a:noFill/>
+          </a:ln>
+        </p:spPr>
+        <p:txBody>
+          <a:bodyPr wrap="square">
+            <a:spAutoFit/>
+          </a:bodyPr>
+          <a:lstStyle/>
+          <a:p>
+            <a:r>
+              <a:rPr lang="en-MY" sz="1000" dirty="0" err="1">
+                <a:latin typeface="Roboto" panose="02000000000000000000" pitchFamily="2" charset="0"/>
+              </a:rPr>
+              <a:t>Acop</a:t>
+            </a:r>
+            <a:r>
+              <a:rPr lang="en-MY" sz="1000" dirty="0">
+                <a:latin typeface="Roboto" panose="02000000000000000000" pitchFamily="2" charset="0"/>
+              </a:rPr>
+              <a:t> : </a:t>
+            </a:r>
+            <a:r>
+              <a:rPr lang="en-MY" sz="1000" dirty="0" err="1">
+                <a:latin typeface="Roboto" panose="02000000000000000000" pitchFamily="2" charset="0"/>
+              </a:rPr>
+              <a:t>baloi</a:t>
+            </a:r>
+            <a:r>
+              <a:rPr lang="en-MY" sz="1000" dirty="0">
+                <a:latin typeface="Roboto" panose="02000000000000000000" pitchFamily="2" charset="0"/>
+              </a:rPr>
+              <a:t> sangat </a:t>
+            </a:r>
+            <a:r>
+              <a:rPr lang="en-MY" sz="1000" dirty="0" err="1">
+                <a:latin typeface="Roboto" panose="02000000000000000000" pitchFamily="2" charset="0"/>
+              </a:rPr>
+              <a:t>beli</a:t>
+            </a:r>
+            <a:r>
+              <a:rPr lang="en-MY" sz="1000" dirty="0">
+                <a:latin typeface="Roboto" panose="02000000000000000000" pitchFamily="2" charset="0"/>
+              </a:rPr>
+              <a:t> </a:t>
+            </a:r>
+            <a:r>
+              <a:rPr lang="en-MY" sz="1000" dirty="0" err="1">
+                <a:latin typeface="Roboto" panose="02000000000000000000" pitchFamily="2" charset="0"/>
+              </a:rPr>
+              <a:t>ni</a:t>
+            </a:r>
+            <a:endParaRPr lang="en-MY" sz="1000" dirty="0"/>
+          </a:p>
+        </p:txBody>
+      </p:sp>
+      <p:sp>
+        <p:nvSpPr>
+          <p:cNvPr id="24" name="TextBox 23">
+            <a:extLst>
+              <a:ext uri="{FF2B5EF4-FFF2-40B4-BE49-F238E27FC236}">
+                <a16:creationId xmlns:a16="http://schemas.microsoft.com/office/drawing/2014/main" id="{1F7B6215-2B3E-489D-40DD-F5DCC93AB40D}"/>
+              </a:ext>
+            </a:extLst>
+          </p:cNvPr>
+          <p:cNvSpPr txBox="1"/>
+          <p:nvPr/>
+        </p:nvSpPr>
+        <p:spPr>
+          <a:xfrm>
+            <a:off x="5534658" y="5420016"/>
+            <a:ext cx="3472181" cy="246221"/>
+          </a:xfrm>
+          <a:prstGeom prst="rect">
+            <a:avLst/>
+          </a:prstGeom>
+          <a:solidFill>
+            <a:schemeClr val="accent2">
+              <a:lumMod val="20000"/>
+              <a:lumOff val="80000"/>
+            </a:schemeClr>
+          </a:solidFill>
+          <a:ln>
+            <a:noFill/>
+          </a:ln>
+        </p:spPr>
+        <p:txBody>
+          <a:bodyPr wrap="square">
+            <a:spAutoFit/>
+          </a:bodyPr>
+          <a:lstStyle/>
+          <a:p>
+            <a:r>
+              <a:rPr lang="en-MY" sz="1000" dirty="0">
+                <a:latin typeface="Roboto" panose="02000000000000000000" pitchFamily="2" charset="0"/>
+              </a:rPr>
+              <a:t>Yasir : </a:t>
+            </a:r>
+            <a:r>
+              <a:rPr lang="en-MY" sz="1000" dirty="0" err="1">
+                <a:latin typeface="Roboto" panose="02000000000000000000" pitchFamily="2" charset="0"/>
+              </a:rPr>
+              <a:t>memang</a:t>
+            </a:r>
+            <a:r>
+              <a:rPr lang="en-MY" sz="1000" dirty="0">
+                <a:latin typeface="Roboto" panose="02000000000000000000" pitchFamily="2" charset="0"/>
+              </a:rPr>
+              <a:t> </a:t>
+            </a:r>
+            <a:r>
+              <a:rPr lang="en-MY" sz="1000" dirty="0" err="1">
+                <a:latin typeface="Roboto" panose="02000000000000000000" pitchFamily="2" charset="0"/>
+              </a:rPr>
+              <a:t>jadi</a:t>
+            </a:r>
+            <a:endParaRPr lang="en-MY" sz="1000" dirty="0"/>
+          </a:p>
+        </p:txBody>
+      </p:sp>
+      <p:pic>
+        <p:nvPicPr>
+          <p:cNvPr id="1026" name="Picture 2" descr="people Vector Icons free download in SVG, PNG Format">
+            <a:extLst>
+              <a:ext uri="{FF2B5EF4-FFF2-40B4-BE49-F238E27FC236}">
+                <a16:creationId xmlns:a16="http://schemas.microsoft.com/office/drawing/2014/main" id="{E9B4E3D8-2859-78E6-4AF7-3769C4B42E80}"/>
               </a:ext>
             </a:extLst>
           </p:cNvPr>
@@ -4312,7 +4714,7 @@
           <p:nvPr/>
         </p:nvPicPr>
         <p:blipFill>
-          <a:blip r:embed="rId5">
+          <a:blip r:embed="rId4">
             <a:extLst>
               <a:ext uri="{28A0092B-C50C-407E-A947-70E740481C1C}">
                 <a14:useLocalDpi xmlns:a14="http://schemas.microsoft.com/office/drawing/2010/main" val="0"/>
@@ -4326,111 +4728,29 @@
         </p:blipFill>
         <p:spPr bwMode="auto">
           <a:xfrm>
-            <a:off x="7493013" y="230686"/>
-            <a:ext cx="540000" cy="500601"/>
+            <a:off x="1198880" y="5126494"/>
+            <a:ext cx="246220" cy="246220"/>
           </a:xfrm>
           <a:prstGeom prst="rect">
             <a:avLst/>
           </a:prstGeom>
-          <a:noFill/>
+          <a:solidFill>
+            <a:schemeClr val="accent2">
+              <a:lumMod val="20000"/>
+              <a:lumOff val="80000"/>
+            </a:schemeClr>
+          </a:solidFill>
           <a:ln>
-            <a:solidFill>
-              <a:schemeClr val="tx1"/>
-            </a:solidFill>
+            <a:noFill/>
           </a:ln>
-          <a:extLst>
-            <a:ext uri="{909E8E84-426E-40DD-AFC4-6F175D3DCCD1}">
-              <a14:hiddenFill xmlns:a14="http://schemas.microsoft.com/office/drawing/2010/main">
-                <a:solidFill>
-                  <a:srgbClr val="FFFFFF"/>
-                </a:solidFill>
-              </a14:hiddenFill>
-            </a:ext>
-          </a:extLst>
         </p:spPr>
       </p:pic>
-      <p:sp>
-        <p:nvSpPr>
-          <p:cNvPr id="15" name="Rectangle 14">
-            <a:extLst>
-              <a:ext uri="{FF2B5EF4-FFF2-40B4-BE49-F238E27FC236}">
-                <a16:creationId xmlns:a16="http://schemas.microsoft.com/office/drawing/2014/main" id="{D08690A4-6A00-18F8-F6AC-7FEF553F07E1}"/>
-              </a:ext>
-            </a:extLst>
-          </p:cNvPr>
-          <p:cNvSpPr/>
-          <p:nvPr/>
-        </p:nvSpPr>
-        <p:spPr>
-          <a:xfrm>
-            <a:off x="4716392" y="1219845"/>
-            <a:ext cx="2826223" cy="369332"/>
-          </a:xfrm>
-          <a:prstGeom prst="rect">
-            <a:avLst/>
-          </a:prstGeom>
-          <a:noFill/>
-          <a:ln>
-            <a:solidFill>
-              <a:schemeClr val="tx1"/>
-            </a:solidFill>
-          </a:ln>
-        </p:spPr>
-        <p:txBody>
-          <a:bodyPr wrap="none" lIns="91440" tIns="45720" rIns="91440" bIns="45720">
-            <a:spAutoFit/>
-          </a:bodyPr>
-          <a:lstStyle/>
-          <a:p>
-            <a:pPr algn="ctr"/>
-            <a:r>
-              <a:rPr lang="en-US" b="1" dirty="0">
-                <a:ln w="0"/>
-                <a:effectLst>
-                  <a:outerShdw blurRad="38100" dist="19050" dir="2700000" algn="tl" rotWithShape="0">
-                    <a:schemeClr val="dk1">
-                      <a:alpha val="40000"/>
-                    </a:schemeClr>
-                  </a:outerShdw>
-                </a:effectLst>
-              </a:rPr>
-              <a:t>Video </a:t>
-            </a:r>
-            <a:r>
-              <a:rPr lang="en-US" b="1">
-                <a:ln w="0"/>
-                <a:effectLst>
-                  <a:outerShdw blurRad="38100" dist="19050" dir="2700000" algn="tl" rotWithShape="0">
-                    <a:schemeClr val="dk1">
-                      <a:alpha val="40000"/>
-                    </a:schemeClr>
-                  </a:outerShdw>
-                </a:effectLst>
-              </a:rPr>
-              <a:t>Tutorial Excel (Single)</a:t>
-            </a:r>
-            <a:endParaRPr lang="en-US" b="1" cap="none" spc="0" dirty="0">
-              <a:ln w="0"/>
-              <a:solidFill>
-                <a:srgbClr val="0070C0"/>
-              </a:solidFill>
-              <a:effectLst>
-                <a:outerShdw blurRad="38100" dist="19050" dir="2700000" algn="tl" rotWithShape="0">
-                  <a:schemeClr val="dk1">
-                    <a:alpha val="40000"/>
-                  </a:schemeClr>
-                </a:outerShdw>
-              </a:effectLst>
-            </a:endParaRPr>
-          </a:p>
-        </p:txBody>
-      </p:sp>
       <p:pic>
         <p:nvPicPr>
-          <p:cNvPr id="1028" name="Picture 4" descr="Sales Dashboard in Excel - Lean Excel Solutions">
-            <a:extLst>
-              <a:ext uri="{FF2B5EF4-FFF2-40B4-BE49-F238E27FC236}">
-                <a16:creationId xmlns:a16="http://schemas.microsoft.com/office/drawing/2014/main" id="{86316917-3AAF-CA49-79D0-5110396A9903}"/>
+          <p:cNvPr id="25" name="Picture 2" descr="people Vector Icons free download in SVG, PNG Format">
+            <a:extLst>
+              <a:ext uri="{FF2B5EF4-FFF2-40B4-BE49-F238E27FC236}">
+                <a16:creationId xmlns:a16="http://schemas.microsoft.com/office/drawing/2014/main" id="{E3C080FB-BC92-577B-899C-A190F5BDFAB7}"/>
               </a:ext>
             </a:extLst>
           </p:cNvPr>
@@ -4440,7 +4760,7 @@
           <p:nvPr/>
         </p:nvPicPr>
         <p:blipFill>
-          <a:blip r:embed="rId6">
+          <a:blip r:embed="rId4">
             <a:extLst>
               <a:ext uri="{28A0092B-C50C-407E-A947-70E740481C1C}">
                 <a14:useLocalDpi xmlns:a14="http://schemas.microsoft.com/office/drawing/2010/main" val="0"/>
@@ -4454,35 +4774,29 @@
         </p:blipFill>
         <p:spPr bwMode="auto">
           <a:xfrm>
-            <a:off x="5196000" y="1757196"/>
-            <a:ext cx="1800000" cy="1012500"/>
+            <a:off x="1198880" y="5431023"/>
+            <a:ext cx="246220" cy="246220"/>
           </a:xfrm>
           <a:prstGeom prst="rect">
             <a:avLst/>
           </a:prstGeom>
-          <a:noFill/>
+          <a:solidFill>
+            <a:schemeClr val="accent2">
+              <a:lumMod val="20000"/>
+              <a:lumOff val="80000"/>
+            </a:schemeClr>
+          </a:solidFill>
           <a:ln>
-            <a:solidFill>
-              <a:schemeClr val="tx1"/>
-            </a:solidFill>
+            <a:noFill/>
           </a:ln>
-          <a:extLst>
-            <a:ext uri="{909E8E84-426E-40DD-AFC4-6F175D3DCCD1}">
-              <a14:hiddenFill xmlns:a14="http://schemas.microsoft.com/office/drawing/2010/main">
-                <a:solidFill>
-                  <a:srgbClr val="FFFFFF"/>
-                </a:solidFill>
-              </a14:hiddenFill>
-            </a:ext>
-          </a:extLst>
         </p:spPr>
       </p:pic>
       <p:pic>
         <p:nvPicPr>
-          <p:cNvPr id="28" name="Picture 4" descr="Sales Dashboard in Excel - Lean Excel Solutions">
-            <a:extLst>
-              <a:ext uri="{FF2B5EF4-FFF2-40B4-BE49-F238E27FC236}">
-                <a16:creationId xmlns:a16="http://schemas.microsoft.com/office/drawing/2014/main" id="{734E0C56-9BC6-05A8-4A3A-68AE242F268F}"/>
+          <p:cNvPr id="26" name="Picture 2" descr="people Vector Icons free download in SVG, PNG Format">
+            <a:extLst>
+              <a:ext uri="{FF2B5EF4-FFF2-40B4-BE49-F238E27FC236}">
+                <a16:creationId xmlns:a16="http://schemas.microsoft.com/office/drawing/2014/main" id="{52A7446C-1383-9766-68E2-9E83BEF361F4}"/>
               </a:ext>
             </a:extLst>
           </p:cNvPr>
@@ -4492,7 +4806,7 @@
           <p:nvPr/>
         </p:nvPicPr>
         <p:blipFill>
-          <a:blip r:embed="rId6">
+          <a:blip r:embed="rId4">
             <a:extLst>
               <a:ext uri="{28A0092B-C50C-407E-A947-70E740481C1C}">
                 <a14:useLocalDpi xmlns:a14="http://schemas.microsoft.com/office/drawing/2010/main" val="0"/>
@@ -4506,35 +4820,29 @@
         </p:blipFill>
         <p:spPr bwMode="auto">
           <a:xfrm>
-            <a:off x="7133013" y="1755563"/>
-            <a:ext cx="1800000" cy="1012500"/>
+            <a:off x="5248750" y="5126494"/>
+            <a:ext cx="246220" cy="246220"/>
           </a:xfrm>
           <a:prstGeom prst="rect">
             <a:avLst/>
           </a:prstGeom>
-          <a:noFill/>
+          <a:solidFill>
+            <a:schemeClr val="accent2">
+              <a:lumMod val="20000"/>
+              <a:lumOff val="80000"/>
+            </a:schemeClr>
+          </a:solidFill>
           <a:ln>
-            <a:solidFill>
-              <a:schemeClr val="tx1"/>
-            </a:solidFill>
+            <a:noFill/>
           </a:ln>
-          <a:extLst>
-            <a:ext uri="{909E8E84-426E-40DD-AFC4-6F175D3DCCD1}">
-              <a14:hiddenFill xmlns:a14="http://schemas.microsoft.com/office/drawing/2010/main">
-                <a:solidFill>
-                  <a:srgbClr val="FFFFFF"/>
-                </a:solidFill>
-              </a14:hiddenFill>
-            </a:ext>
-          </a:extLst>
         </p:spPr>
       </p:pic>
       <p:pic>
         <p:nvPicPr>
-          <p:cNvPr id="29" name="Picture 4" descr="Sales Dashboard in Excel - Lean Excel Solutions">
-            <a:extLst>
-              <a:ext uri="{FF2B5EF4-FFF2-40B4-BE49-F238E27FC236}">
-                <a16:creationId xmlns:a16="http://schemas.microsoft.com/office/drawing/2014/main" id="{A4E2A211-9DCB-E15A-9B08-066D3ED0F207}"/>
+          <p:cNvPr id="27" name="Picture 2" descr="people Vector Icons free download in SVG, PNG Format">
+            <a:extLst>
+              <a:ext uri="{FF2B5EF4-FFF2-40B4-BE49-F238E27FC236}">
+                <a16:creationId xmlns:a16="http://schemas.microsoft.com/office/drawing/2014/main" id="{5824317C-422D-28B0-7371-A2B1A7DB7349}"/>
               </a:ext>
             </a:extLst>
           </p:cNvPr>
@@ -4544,7 +4852,7 @@
           <p:nvPr/>
         </p:nvPicPr>
         <p:blipFill>
-          <a:blip r:embed="rId6">
+          <a:blip r:embed="rId4">
             <a:extLst>
               <a:ext uri="{28A0092B-C50C-407E-A947-70E740481C1C}">
                 <a14:useLocalDpi xmlns:a14="http://schemas.microsoft.com/office/drawing/2010/main" val="0"/>
@@ -4558,447 +4866,27 @@
         </p:blipFill>
         <p:spPr bwMode="auto">
           <a:xfrm>
-            <a:off x="3258987" y="1755563"/>
-            <a:ext cx="1800000" cy="1012500"/>
+            <a:off x="5248750" y="5420017"/>
+            <a:ext cx="246220" cy="246220"/>
           </a:xfrm>
           <a:prstGeom prst="rect">
             <a:avLst/>
           </a:prstGeom>
-          <a:noFill/>
+          <a:solidFill>
+            <a:schemeClr val="accent2">
+              <a:lumMod val="20000"/>
+              <a:lumOff val="80000"/>
+            </a:schemeClr>
+          </a:solidFill>
           <a:ln>
-            <a:solidFill>
-              <a:schemeClr val="tx1"/>
-            </a:solidFill>
+            <a:noFill/>
           </a:ln>
-          <a:extLst>
-            <a:ext uri="{909E8E84-426E-40DD-AFC4-6F175D3DCCD1}">
-              <a14:hiddenFill xmlns:a14="http://schemas.microsoft.com/office/drawing/2010/main">
-                <a:solidFill>
-                  <a:srgbClr val="FFFFFF"/>
-                </a:solidFill>
-              </a14:hiddenFill>
-            </a:ext>
-          </a:extLst>
         </p:spPr>
       </p:pic>
-      <p:pic>
-        <p:nvPicPr>
-          <p:cNvPr id="30" name="Picture 4" descr="Sales Dashboard in Excel - Lean Excel Solutions">
-            <a:extLst>
-              <a:ext uri="{FF2B5EF4-FFF2-40B4-BE49-F238E27FC236}">
-                <a16:creationId xmlns:a16="http://schemas.microsoft.com/office/drawing/2014/main" id="{E659EA20-8A61-3B76-1967-EB82D7463509}"/>
-              </a:ext>
-            </a:extLst>
-          </p:cNvPr>
-          <p:cNvPicPr>
-            <a:picLocks noChangeAspect="1" noChangeArrowheads="1"/>
-          </p:cNvPicPr>
-          <p:nvPr/>
-        </p:nvPicPr>
-        <p:blipFill>
-          <a:blip r:embed="rId6">
-            <a:extLst>
-              <a:ext uri="{28A0092B-C50C-407E-A947-70E740481C1C}">
-                <a14:useLocalDpi xmlns:a14="http://schemas.microsoft.com/office/drawing/2010/main" val="0"/>
-              </a:ext>
-            </a:extLst>
-          </a:blip>
-          <a:srcRect/>
-          <a:stretch>
-            <a:fillRect/>
-          </a:stretch>
-        </p:blipFill>
-        <p:spPr bwMode="auto">
-          <a:xfrm>
-            <a:off x="1321974" y="1755563"/>
-            <a:ext cx="1800000" cy="1012500"/>
-          </a:xfrm>
-          <a:prstGeom prst="rect">
-            <a:avLst/>
-          </a:prstGeom>
-          <a:noFill/>
-          <a:ln>
-            <a:solidFill>
-              <a:schemeClr val="tx1"/>
-            </a:solidFill>
-          </a:ln>
-          <a:extLst>
-            <a:ext uri="{909E8E84-426E-40DD-AFC4-6F175D3DCCD1}">
-              <a14:hiddenFill xmlns:a14="http://schemas.microsoft.com/office/drawing/2010/main">
-                <a:solidFill>
-                  <a:srgbClr val="FFFFFF"/>
-                </a:solidFill>
-              </a14:hiddenFill>
-            </a:ext>
-          </a:extLst>
-        </p:spPr>
-      </p:pic>
-      <p:pic>
-        <p:nvPicPr>
-          <p:cNvPr id="31" name="Picture 4" descr="Sales Dashboard in Excel - Lean Excel Solutions">
-            <a:extLst>
-              <a:ext uri="{FF2B5EF4-FFF2-40B4-BE49-F238E27FC236}">
-                <a16:creationId xmlns:a16="http://schemas.microsoft.com/office/drawing/2014/main" id="{04E35F12-94CD-CA02-343B-1F6BE4FE6905}"/>
-              </a:ext>
-            </a:extLst>
-          </p:cNvPr>
-          <p:cNvPicPr>
-            <a:picLocks noChangeAspect="1" noChangeArrowheads="1"/>
-          </p:cNvPicPr>
-          <p:nvPr/>
-        </p:nvPicPr>
-        <p:blipFill>
-          <a:blip r:embed="rId6">
-            <a:extLst>
-              <a:ext uri="{28A0092B-C50C-407E-A947-70E740481C1C}">
-                <a14:useLocalDpi xmlns:a14="http://schemas.microsoft.com/office/drawing/2010/main" val="0"/>
-              </a:ext>
-            </a:extLst>
-          </a:blip>
-          <a:srcRect/>
-          <a:stretch>
-            <a:fillRect/>
-          </a:stretch>
-        </p:blipFill>
-        <p:spPr bwMode="auto">
-          <a:xfrm>
-            <a:off x="9070026" y="1755563"/>
-            <a:ext cx="1800000" cy="1012500"/>
-          </a:xfrm>
-          <a:prstGeom prst="rect">
-            <a:avLst/>
-          </a:prstGeom>
-          <a:noFill/>
-          <a:ln>
-            <a:solidFill>
-              <a:schemeClr val="tx1"/>
-            </a:solidFill>
-          </a:ln>
-          <a:extLst>
-            <a:ext uri="{909E8E84-426E-40DD-AFC4-6F175D3DCCD1}">
-              <a14:hiddenFill xmlns:a14="http://schemas.microsoft.com/office/drawing/2010/main">
-                <a:solidFill>
-                  <a:srgbClr val="FFFFFF"/>
-                </a:solidFill>
-              </a14:hiddenFill>
-            </a:ext>
-          </a:extLst>
-        </p:spPr>
-      </p:pic>
-      <p:pic>
-        <p:nvPicPr>
-          <p:cNvPr id="34" name="Picture 4" descr="Sales Dashboard in Excel - Lean Excel Solutions">
-            <a:extLst>
-              <a:ext uri="{FF2B5EF4-FFF2-40B4-BE49-F238E27FC236}">
-                <a16:creationId xmlns:a16="http://schemas.microsoft.com/office/drawing/2014/main" id="{20458CEF-3E2C-FC96-1934-EB9EAC6C9347}"/>
-              </a:ext>
-            </a:extLst>
-          </p:cNvPr>
-          <p:cNvPicPr>
-            <a:picLocks noChangeAspect="1" noChangeArrowheads="1"/>
-          </p:cNvPicPr>
-          <p:nvPr/>
-        </p:nvPicPr>
-        <p:blipFill>
-          <a:blip r:embed="rId6">
-            <a:extLst>
-              <a:ext uri="{28A0092B-C50C-407E-A947-70E740481C1C}">
-                <a14:useLocalDpi xmlns:a14="http://schemas.microsoft.com/office/drawing/2010/main" val="0"/>
-              </a:ext>
-            </a:extLst>
-          </a:blip>
-          <a:srcRect/>
-          <a:stretch>
-            <a:fillRect/>
-          </a:stretch>
-        </p:blipFill>
-        <p:spPr bwMode="auto">
-          <a:xfrm>
-            <a:off x="5196000" y="3317620"/>
-            <a:ext cx="1800000" cy="1012500"/>
-          </a:xfrm>
-          <a:prstGeom prst="rect">
-            <a:avLst/>
-          </a:prstGeom>
-          <a:noFill/>
-          <a:ln>
-            <a:solidFill>
-              <a:schemeClr val="tx1"/>
-            </a:solidFill>
-          </a:ln>
-          <a:extLst>
-            <a:ext uri="{909E8E84-426E-40DD-AFC4-6F175D3DCCD1}">
-              <a14:hiddenFill xmlns:a14="http://schemas.microsoft.com/office/drawing/2010/main">
-                <a:solidFill>
-                  <a:srgbClr val="FFFFFF"/>
-                </a:solidFill>
-              </a14:hiddenFill>
-            </a:ext>
-          </a:extLst>
-        </p:spPr>
-      </p:pic>
-      <p:pic>
-        <p:nvPicPr>
-          <p:cNvPr id="35" name="Picture 4" descr="Sales Dashboard in Excel - Lean Excel Solutions">
-            <a:extLst>
-              <a:ext uri="{FF2B5EF4-FFF2-40B4-BE49-F238E27FC236}">
-                <a16:creationId xmlns:a16="http://schemas.microsoft.com/office/drawing/2014/main" id="{EE41E6BD-DD5D-1589-316E-233187274B07}"/>
-              </a:ext>
-            </a:extLst>
-          </p:cNvPr>
-          <p:cNvPicPr>
-            <a:picLocks noChangeAspect="1" noChangeArrowheads="1"/>
-          </p:cNvPicPr>
-          <p:nvPr/>
-        </p:nvPicPr>
-        <p:blipFill>
-          <a:blip r:embed="rId6">
-            <a:extLst>
-              <a:ext uri="{28A0092B-C50C-407E-A947-70E740481C1C}">
-                <a14:useLocalDpi xmlns:a14="http://schemas.microsoft.com/office/drawing/2010/main" val="0"/>
-              </a:ext>
-            </a:extLst>
-          </a:blip>
-          <a:srcRect/>
-          <a:stretch>
-            <a:fillRect/>
-          </a:stretch>
-        </p:blipFill>
-        <p:spPr bwMode="auto">
-          <a:xfrm>
-            <a:off x="7133013" y="3315987"/>
-            <a:ext cx="1800000" cy="1012500"/>
-          </a:xfrm>
-          <a:prstGeom prst="rect">
-            <a:avLst/>
-          </a:prstGeom>
-          <a:noFill/>
-          <a:ln>
-            <a:solidFill>
-              <a:schemeClr val="tx1"/>
-            </a:solidFill>
-          </a:ln>
-          <a:extLst>
-            <a:ext uri="{909E8E84-426E-40DD-AFC4-6F175D3DCCD1}">
-              <a14:hiddenFill xmlns:a14="http://schemas.microsoft.com/office/drawing/2010/main">
-                <a:solidFill>
-                  <a:srgbClr val="FFFFFF"/>
-                </a:solidFill>
-              </a14:hiddenFill>
-            </a:ext>
-          </a:extLst>
-        </p:spPr>
-      </p:pic>
-      <p:pic>
-        <p:nvPicPr>
-          <p:cNvPr id="36" name="Picture 4" descr="Sales Dashboard in Excel - Lean Excel Solutions">
-            <a:extLst>
-              <a:ext uri="{FF2B5EF4-FFF2-40B4-BE49-F238E27FC236}">
-                <a16:creationId xmlns:a16="http://schemas.microsoft.com/office/drawing/2014/main" id="{F7BD8FEA-BD8E-BBF6-702B-394410AC0E06}"/>
-              </a:ext>
-            </a:extLst>
-          </p:cNvPr>
-          <p:cNvPicPr>
-            <a:picLocks noChangeAspect="1" noChangeArrowheads="1"/>
-          </p:cNvPicPr>
-          <p:nvPr/>
-        </p:nvPicPr>
-        <p:blipFill>
-          <a:blip r:embed="rId6">
-            <a:extLst>
-              <a:ext uri="{28A0092B-C50C-407E-A947-70E740481C1C}">
-                <a14:useLocalDpi xmlns:a14="http://schemas.microsoft.com/office/drawing/2010/main" val="0"/>
-              </a:ext>
-            </a:extLst>
-          </a:blip>
-          <a:srcRect/>
-          <a:stretch>
-            <a:fillRect/>
-          </a:stretch>
-        </p:blipFill>
-        <p:spPr bwMode="auto">
-          <a:xfrm>
-            <a:off x="3258987" y="3315987"/>
-            <a:ext cx="1800000" cy="1012500"/>
-          </a:xfrm>
-          <a:prstGeom prst="rect">
-            <a:avLst/>
-          </a:prstGeom>
-          <a:noFill/>
-          <a:ln>
-            <a:solidFill>
-              <a:schemeClr val="tx1"/>
-            </a:solidFill>
-          </a:ln>
-          <a:extLst>
-            <a:ext uri="{909E8E84-426E-40DD-AFC4-6F175D3DCCD1}">
-              <a14:hiddenFill xmlns:a14="http://schemas.microsoft.com/office/drawing/2010/main">
-                <a:solidFill>
-                  <a:srgbClr val="FFFFFF"/>
-                </a:solidFill>
-              </a14:hiddenFill>
-            </a:ext>
-          </a:extLst>
-        </p:spPr>
-      </p:pic>
-      <p:pic>
-        <p:nvPicPr>
-          <p:cNvPr id="37" name="Picture 4" descr="Sales Dashboard in Excel - Lean Excel Solutions">
-            <a:extLst>
-              <a:ext uri="{FF2B5EF4-FFF2-40B4-BE49-F238E27FC236}">
-                <a16:creationId xmlns:a16="http://schemas.microsoft.com/office/drawing/2014/main" id="{DEACB071-D0B7-1A24-F0C1-EC968EB66722}"/>
-              </a:ext>
-            </a:extLst>
-          </p:cNvPr>
-          <p:cNvPicPr>
-            <a:picLocks noChangeAspect="1" noChangeArrowheads="1"/>
-          </p:cNvPicPr>
-          <p:nvPr/>
-        </p:nvPicPr>
-        <p:blipFill>
-          <a:blip r:embed="rId6">
-            <a:extLst>
-              <a:ext uri="{28A0092B-C50C-407E-A947-70E740481C1C}">
-                <a14:useLocalDpi xmlns:a14="http://schemas.microsoft.com/office/drawing/2010/main" val="0"/>
-              </a:ext>
-            </a:extLst>
-          </a:blip>
-          <a:srcRect/>
-          <a:stretch>
-            <a:fillRect/>
-          </a:stretch>
-        </p:blipFill>
-        <p:spPr bwMode="auto">
-          <a:xfrm>
-            <a:off x="1321974" y="3315987"/>
-            <a:ext cx="1800000" cy="1012500"/>
-          </a:xfrm>
-          <a:prstGeom prst="rect">
-            <a:avLst/>
-          </a:prstGeom>
-          <a:noFill/>
-          <a:ln>
-            <a:solidFill>
-              <a:schemeClr val="tx1"/>
-            </a:solidFill>
-          </a:ln>
-          <a:extLst>
-            <a:ext uri="{909E8E84-426E-40DD-AFC4-6F175D3DCCD1}">
-              <a14:hiddenFill xmlns:a14="http://schemas.microsoft.com/office/drawing/2010/main">
-                <a:solidFill>
-                  <a:srgbClr val="FFFFFF"/>
-                </a:solidFill>
-              </a14:hiddenFill>
-            </a:ext>
-          </a:extLst>
-        </p:spPr>
-      </p:pic>
-      <p:pic>
-        <p:nvPicPr>
-          <p:cNvPr id="38" name="Picture 4" descr="Sales Dashboard in Excel - Lean Excel Solutions">
-            <a:extLst>
-              <a:ext uri="{FF2B5EF4-FFF2-40B4-BE49-F238E27FC236}">
-                <a16:creationId xmlns:a16="http://schemas.microsoft.com/office/drawing/2014/main" id="{B2434DED-428A-43CF-B8F7-C4D3E5D6BAB3}"/>
-              </a:ext>
-            </a:extLst>
-          </p:cNvPr>
-          <p:cNvPicPr>
-            <a:picLocks noChangeAspect="1" noChangeArrowheads="1"/>
-          </p:cNvPicPr>
-          <p:nvPr/>
-        </p:nvPicPr>
-        <p:blipFill>
-          <a:blip r:embed="rId6">
-            <a:extLst>
-              <a:ext uri="{28A0092B-C50C-407E-A947-70E740481C1C}">
-                <a14:useLocalDpi xmlns:a14="http://schemas.microsoft.com/office/drawing/2010/main" val="0"/>
-              </a:ext>
-            </a:extLst>
-          </a:blip>
-          <a:srcRect/>
-          <a:stretch>
-            <a:fillRect/>
-          </a:stretch>
-        </p:blipFill>
-        <p:spPr bwMode="auto">
-          <a:xfrm>
-            <a:off x="9070026" y="3315987"/>
-            <a:ext cx="1800000" cy="1012500"/>
-          </a:xfrm>
-          <a:prstGeom prst="rect">
-            <a:avLst/>
-          </a:prstGeom>
-          <a:noFill/>
-          <a:ln>
-            <a:solidFill>
-              <a:schemeClr val="tx1"/>
-            </a:solidFill>
-          </a:ln>
-          <a:extLst>
-            <a:ext uri="{909E8E84-426E-40DD-AFC4-6F175D3DCCD1}">
-              <a14:hiddenFill xmlns:a14="http://schemas.microsoft.com/office/drawing/2010/main">
-                <a:solidFill>
-                  <a:srgbClr val="FFFFFF"/>
-                </a:solidFill>
-              </a14:hiddenFill>
-            </a:ext>
-          </a:extLst>
-        </p:spPr>
-      </p:pic>
-      <p:sp>
-        <p:nvSpPr>
-          <p:cNvPr id="40" name="Rectangle 39">
-            <a:extLst>
-              <a:ext uri="{FF2B5EF4-FFF2-40B4-BE49-F238E27FC236}">
-                <a16:creationId xmlns:a16="http://schemas.microsoft.com/office/drawing/2014/main" id="{925EDF82-819D-95B4-52F4-D0594D70C916}"/>
-              </a:ext>
-            </a:extLst>
-          </p:cNvPr>
-          <p:cNvSpPr/>
-          <p:nvPr/>
-        </p:nvSpPr>
-        <p:spPr>
-          <a:xfrm>
-            <a:off x="4652527" y="4582693"/>
-            <a:ext cx="2936830" cy="369332"/>
-          </a:xfrm>
-          <a:prstGeom prst="rect">
-            <a:avLst/>
-          </a:prstGeom>
-          <a:noFill/>
-          <a:ln>
-            <a:solidFill>
-              <a:schemeClr val="tx1"/>
-            </a:solidFill>
-          </a:ln>
-        </p:spPr>
-        <p:txBody>
-          <a:bodyPr wrap="none" lIns="91440" tIns="45720" rIns="91440" bIns="45720">
-            <a:spAutoFit/>
-          </a:bodyPr>
-          <a:lstStyle/>
-          <a:p>
-            <a:pPr algn="ctr"/>
-            <a:r>
-              <a:rPr lang="en-US" b="1" cap="none" spc="0" dirty="0">
-                <a:ln w="0"/>
-                <a:effectLst>
-                  <a:outerShdw blurRad="38100" dist="19050" dir="2700000" algn="tl" rotWithShape="0">
-                    <a:schemeClr val="dk1">
-                      <a:alpha val="40000"/>
-                    </a:schemeClr>
-                  </a:outerShdw>
-                </a:effectLst>
-              </a:rPr>
-              <a:t>Video Tutorial Excel (Combo)</a:t>
-            </a:r>
-          </a:p>
-        </p:txBody>
-      </p:sp>
     </p:spTree>
     <p:extLst>
       <p:ext uri="{BB962C8B-B14F-4D97-AF65-F5344CB8AC3E}">
-        <p14:creationId xmlns:p14="http://schemas.microsoft.com/office/powerpoint/2010/main" val="514816237"/>
+        <p14:creationId xmlns:p14="http://schemas.microsoft.com/office/powerpoint/2010/main" val="3113742690"/>
       </p:ext>
     </p:extLst>
   </p:cSld>

--- a/UI.pptx
+++ b/UI.pptx
@@ -263,7 +263,7 @@
           <a:p>
             <a:fld id="{06917A0A-793E-43E2-BD5E-33861999631C}" type="datetimeFigureOut">
               <a:rPr lang="en-MY" smtClean="0"/>
-              <a:t>14/6/2025</a:t>
+              <a:t>16/6/2025</a:t>
             </a:fld>
             <a:endParaRPr lang="en-MY"/>
           </a:p>
@@ -463,7 +463,7 @@
           <a:p>
             <a:fld id="{06917A0A-793E-43E2-BD5E-33861999631C}" type="datetimeFigureOut">
               <a:rPr lang="en-MY" smtClean="0"/>
-              <a:t>14/6/2025</a:t>
+              <a:t>16/6/2025</a:t>
             </a:fld>
             <a:endParaRPr lang="en-MY"/>
           </a:p>
@@ -673,7 +673,7 @@
           <a:p>
             <a:fld id="{06917A0A-793E-43E2-BD5E-33861999631C}" type="datetimeFigureOut">
               <a:rPr lang="en-MY" smtClean="0"/>
-              <a:t>14/6/2025</a:t>
+              <a:t>16/6/2025</a:t>
             </a:fld>
             <a:endParaRPr lang="en-MY"/>
           </a:p>
@@ -873,7 +873,7 @@
           <a:p>
             <a:fld id="{06917A0A-793E-43E2-BD5E-33861999631C}" type="datetimeFigureOut">
               <a:rPr lang="en-MY" smtClean="0"/>
-              <a:t>14/6/2025</a:t>
+              <a:t>16/6/2025</a:t>
             </a:fld>
             <a:endParaRPr lang="en-MY"/>
           </a:p>
@@ -1149,7 +1149,7 @@
           <a:p>
             <a:fld id="{06917A0A-793E-43E2-BD5E-33861999631C}" type="datetimeFigureOut">
               <a:rPr lang="en-MY" smtClean="0"/>
-              <a:t>14/6/2025</a:t>
+              <a:t>16/6/2025</a:t>
             </a:fld>
             <a:endParaRPr lang="en-MY"/>
           </a:p>
@@ -1417,7 +1417,7 @@
           <a:p>
             <a:fld id="{06917A0A-793E-43E2-BD5E-33861999631C}" type="datetimeFigureOut">
               <a:rPr lang="en-MY" smtClean="0"/>
-              <a:t>14/6/2025</a:t>
+              <a:t>16/6/2025</a:t>
             </a:fld>
             <a:endParaRPr lang="en-MY"/>
           </a:p>
@@ -1832,7 +1832,7 @@
           <a:p>
             <a:fld id="{06917A0A-793E-43E2-BD5E-33861999631C}" type="datetimeFigureOut">
               <a:rPr lang="en-MY" smtClean="0"/>
-              <a:t>14/6/2025</a:t>
+              <a:t>16/6/2025</a:t>
             </a:fld>
             <a:endParaRPr lang="en-MY"/>
           </a:p>
@@ -1974,7 +1974,7 @@
           <a:p>
             <a:fld id="{06917A0A-793E-43E2-BD5E-33861999631C}" type="datetimeFigureOut">
               <a:rPr lang="en-MY" smtClean="0"/>
-              <a:t>14/6/2025</a:t>
+              <a:t>16/6/2025</a:t>
             </a:fld>
             <a:endParaRPr lang="en-MY"/>
           </a:p>
@@ -2087,7 +2087,7 @@
           <a:p>
             <a:fld id="{06917A0A-793E-43E2-BD5E-33861999631C}" type="datetimeFigureOut">
               <a:rPr lang="en-MY" smtClean="0"/>
-              <a:t>14/6/2025</a:t>
+              <a:t>16/6/2025</a:t>
             </a:fld>
             <a:endParaRPr lang="en-MY"/>
           </a:p>
@@ -2400,7 +2400,7 @@
           <a:p>
             <a:fld id="{06917A0A-793E-43E2-BD5E-33861999631C}" type="datetimeFigureOut">
               <a:rPr lang="en-MY" smtClean="0"/>
-              <a:t>14/6/2025</a:t>
+              <a:t>16/6/2025</a:t>
             </a:fld>
             <a:endParaRPr lang="en-MY"/>
           </a:p>
@@ -2689,7 +2689,7 @@
           <a:p>
             <a:fld id="{06917A0A-793E-43E2-BD5E-33861999631C}" type="datetimeFigureOut">
               <a:rPr lang="en-MY" smtClean="0"/>
-              <a:t>14/6/2025</a:t>
+              <a:t>16/6/2025</a:t>
             </a:fld>
             <a:endParaRPr lang="en-MY"/>
           </a:p>
@@ -2932,7 +2932,7 @@
           <a:p>
             <a:fld id="{06917A0A-793E-43E2-BD5E-33861999631C}" type="datetimeFigureOut">
               <a:rPr lang="en-MY" smtClean="0"/>
-              <a:t>14/6/2025</a:t>
+              <a:t>16/6/2025</a:t>
             </a:fld>
             <a:endParaRPr lang="en-MY"/>
           </a:p>
@@ -3421,8 +3421,8 @@
               <a:t> </a:t>
             </a:r>
             <a:r>
-              <a:rPr lang="en-MY" dirty="0" err="1"/>
-              <a:t>aizatsofian</a:t>
+              <a:rPr lang="en-MY"/>
+              <a:t>aizatsofianmoh</a:t>
             </a:r>
             <a:endParaRPr lang="en-MY" dirty="0"/>
           </a:p>

--- a/UI.pptx
+++ b/UI.pptx
@@ -263,7 +263,7 @@
           <a:p>
             <a:fld id="{06917A0A-793E-43E2-BD5E-33861999631C}" type="datetimeFigureOut">
               <a:rPr lang="en-MY" smtClean="0"/>
-              <a:t>16/6/2025</a:t>
+              <a:t>17/6/2025</a:t>
             </a:fld>
             <a:endParaRPr lang="en-MY"/>
           </a:p>
@@ -463,7 +463,7 @@
           <a:p>
             <a:fld id="{06917A0A-793E-43E2-BD5E-33861999631C}" type="datetimeFigureOut">
               <a:rPr lang="en-MY" smtClean="0"/>
-              <a:t>16/6/2025</a:t>
+              <a:t>17/6/2025</a:t>
             </a:fld>
             <a:endParaRPr lang="en-MY"/>
           </a:p>
@@ -673,7 +673,7 @@
           <a:p>
             <a:fld id="{06917A0A-793E-43E2-BD5E-33861999631C}" type="datetimeFigureOut">
               <a:rPr lang="en-MY" smtClean="0"/>
-              <a:t>16/6/2025</a:t>
+              <a:t>17/6/2025</a:t>
             </a:fld>
             <a:endParaRPr lang="en-MY"/>
           </a:p>
@@ -873,7 +873,7 @@
           <a:p>
             <a:fld id="{06917A0A-793E-43E2-BD5E-33861999631C}" type="datetimeFigureOut">
               <a:rPr lang="en-MY" smtClean="0"/>
-              <a:t>16/6/2025</a:t>
+              <a:t>17/6/2025</a:t>
             </a:fld>
             <a:endParaRPr lang="en-MY"/>
           </a:p>
@@ -1149,7 +1149,7 @@
           <a:p>
             <a:fld id="{06917A0A-793E-43E2-BD5E-33861999631C}" type="datetimeFigureOut">
               <a:rPr lang="en-MY" smtClean="0"/>
-              <a:t>16/6/2025</a:t>
+              <a:t>17/6/2025</a:t>
             </a:fld>
             <a:endParaRPr lang="en-MY"/>
           </a:p>
@@ -1417,7 +1417,7 @@
           <a:p>
             <a:fld id="{06917A0A-793E-43E2-BD5E-33861999631C}" type="datetimeFigureOut">
               <a:rPr lang="en-MY" smtClean="0"/>
-              <a:t>16/6/2025</a:t>
+              <a:t>17/6/2025</a:t>
             </a:fld>
             <a:endParaRPr lang="en-MY"/>
           </a:p>
@@ -1832,7 +1832,7 @@
           <a:p>
             <a:fld id="{06917A0A-793E-43E2-BD5E-33861999631C}" type="datetimeFigureOut">
               <a:rPr lang="en-MY" smtClean="0"/>
-              <a:t>16/6/2025</a:t>
+              <a:t>17/6/2025</a:t>
             </a:fld>
             <a:endParaRPr lang="en-MY"/>
           </a:p>
@@ -1974,7 +1974,7 @@
           <a:p>
             <a:fld id="{06917A0A-793E-43E2-BD5E-33861999631C}" type="datetimeFigureOut">
               <a:rPr lang="en-MY" smtClean="0"/>
-              <a:t>16/6/2025</a:t>
+              <a:t>17/6/2025</a:t>
             </a:fld>
             <a:endParaRPr lang="en-MY"/>
           </a:p>
@@ -2087,7 +2087,7 @@
           <a:p>
             <a:fld id="{06917A0A-793E-43E2-BD5E-33861999631C}" type="datetimeFigureOut">
               <a:rPr lang="en-MY" smtClean="0"/>
-              <a:t>16/6/2025</a:t>
+              <a:t>17/6/2025</a:t>
             </a:fld>
             <a:endParaRPr lang="en-MY"/>
           </a:p>
@@ -2400,7 +2400,7 @@
           <a:p>
             <a:fld id="{06917A0A-793E-43E2-BD5E-33861999631C}" type="datetimeFigureOut">
               <a:rPr lang="en-MY" smtClean="0"/>
-              <a:t>16/6/2025</a:t>
+              <a:t>17/6/2025</a:t>
             </a:fld>
             <a:endParaRPr lang="en-MY"/>
           </a:p>
@@ -2689,7 +2689,7 @@
           <a:p>
             <a:fld id="{06917A0A-793E-43E2-BD5E-33861999631C}" type="datetimeFigureOut">
               <a:rPr lang="en-MY" smtClean="0"/>
-              <a:t>16/6/2025</a:t>
+              <a:t>17/6/2025</a:t>
             </a:fld>
             <a:endParaRPr lang="en-MY"/>
           </a:p>
@@ -2932,7 +2932,7 @@
           <a:p>
             <a:fld id="{06917A0A-793E-43E2-BD5E-33861999631C}" type="datetimeFigureOut">
               <a:rPr lang="en-MY" smtClean="0"/>
-              <a:t>16/6/2025</a:t>
+              <a:t>17/6/2025</a:t>
             </a:fld>
             <a:endParaRPr lang="en-MY"/>
           </a:p>
@@ -3364,7 +3364,7 @@
         <p:spPr>
           <a:xfrm>
             <a:off x="3048000" y="3244334"/>
-            <a:ext cx="7802880" cy="646331"/>
+            <a:ext cx="7802880" cy="923330"/>
           </a:xfrm>
           <a:prstGeom prst="rect">
             <a:avLst/>
@@ -3421,10 +3421,22 @@
               <a:t> </a:t>
             </a:r>
             <a:r>
+              <a:rPr lang="en-MY" dirty="0" err="1"/>
+              <a:t>aizatsofianmoh</a:t>
+            </a:r>
+            <a:endParaRPr lang="en-MY" dirty="0"/>
+          </a:p>
+          <a:p>
+            <a:r>
+              <a:rPr lang="en-MY">
+                <a:hlinkClick r:id="rId4"/>
+              </a:rPr>
+              <a:t>https://gemini.google.com/u/0/gem/416f72fcd25c/816f9186865afe94</a:t>
+            </a:r>
+            <a:r>
               <a:rPr lang="en-MY"/>
-              <a:t>aizatsofianmoh</a:t>
-            </a:r>
-            <a:endParaRPr lang="en-MY" dirty="0"/>
+              <a:t> - gems</a:t>
+            </a:r>
           </a:p>
         </p:txBody>
       </p:sp>
